--- a/springboot/SpringBoot-4.1.pptx
+++ b/springboot/SpringBoot-4.1.pptx
@@ -5,18 +5,30 @@
     <p:sldMasterId id="2147483648" r:id="rId1"/>
   </p:sldMasterIdLst>
   <p:notesMasterIdLst>
-    <p:notesMasterId r:id="rId11"/>
+    <p:notesMasterId r:id="rId23"/>
   </p:notesMasterIdLst>
   <p:sldIdLst>
     <p:sldId id="256" r:id="rId2"/>
     <p:sldId id="257" r:id="rId3"/>
-    <p:sldId id="258" r:id="rId4"/>
-    <p:sldId id="259" r:id="rId5"/>
-    <p:sldId id="260" r:id="rId6"/>
-    <p:sldId id="261" r:id="rId7"/>
-    <p:sldId id="262" r:id="rId8"/>
-    <p:sldId id="263" r:id="rId9"/>
-    <p:sldId id="264" r:id="rId10"/>
+    <p:sldId id="265" r:id="rId4"/>
+    <p:sldId id="266" r:id="rId5"/>
+    <p:sldId id="267" r:id="rId6"/>
+    <p:sldId id="268" r:id="rId7"/>
+    <p:sldId id="269" r:id="rId8"/>
+    <p:sldId id="271" r:id="rId9"/>
+    <p:sldId id="270" r:id="rId10"/>
+    <p:sldId id="274" r:id="rId11"/>
+    <p:sldId id="258" r:id="rId12"/>
+    <p:sldId id="259" r:id="rId13"/>
+    <p:sldId id="260" r:id="rId14"/>
+    <p:sldId id="261" r:id="rId15"/>
+    <p:sldId id="262" r:id="rId16"/>
+    <p:sldId id="263" r:id="rId17"/>
+    <p:sldId id="264" r:id="rId18"/>
+    <p:sldId id="272" r:id="rId19"/>
+    <p:sldId id="273" r:id="rId20"/>
+    <p:sldId id="275" r:id="rId21"/>
+    <p:sldId id="276" r:id="rId22"/>
   </p:sldIdLst>
   <p:sldSz cx="12192000" cy="6858000"/>
   <p:notesSz cx="6858000" cy="9144000"/>
@@ -205,7 +217,7 @@
           <a:p>
             <a:fld id="{67833E2B-1E1C-584C-AB0E-874E8D11E09F}" type="datetimeFigureOut">
               <a:rPr lang="en-US" smtClean="0"/>
-              <a:t>5/22/19</a:t>
+              <a:t>5/27/19</a:t>
             </a:fld>
             <a:endParaRPr lang="en-US"/>
           </a:p>
@@ -517,30 +529,6 @@
           <a:bodyPr/>
           <a:lstStyle/>
           <a:p>
-            <a:r>
-              <a:rPr lang="en-US" altLang="zh-CN" dirty="0" smtClean="0"/>
-              <a:t>Roy Thomas Fielding</a:t>
-            </a:r>
-            <a:r>
-              <a:rPr lang="zh-CN" altLang="en-US" dirty="0" smtClean="0"/>
-              <a:t> 是</a:t>
-            </a:r>
-            <a:r>
-              <a:rPr lang="en-US" altLang="zh-CN" dirty="0" smtClean="0"/>
-              <a:t>HTTP1.0</a:t>
-            </a:r>
-            <a:r>
-              <a:rPr lang="zh-CN" altLang="en-US" dirty="0" smtClean="0"/>
-              <a:t> 和</a:t>
-            </a:r>
-            <a:r>
-              <a:rPr lang="en-US" altLang="zh-CN" dirty="0" smtClean="0"/>
-              <a:t>1.1</a:t>
-            </a:r>
-            <a:r>
-              <a:rPr lang="zh-CN" altLang="en-US" dirty="0" smtClean="0"/>
-              <a:t>版的主要设计者</a:t>
-            </a:r>
             <a:endParaRPr lang="en-US" dirty="0"/>
           </a:p>
         </p:txBody>
@@ -562,7 +550,7 @@
           <a:p>
             <a:fld id="{D43214C1-22BC-294D-9D10-BAD19A4DE91E}" type="slidenum">
               <a:rPr lang="en-US" smtClean="0"/>
-              <a:t>3</a:t>
+              <a:t>6</a:t>
             </a:fld>
             <a:endParaRPr lang="en-US"/>
           </a:p>
@@ -571,7 +559,7 @@
     </p:spTree>
     <p:extLst>
       <p:ext uri="{BB962C8B-B14F-4D97-AF65-F5344CB8AC3E}">
-        <p14:creationId xmlns:p14="http://schemas.microsoft.com/office/powerpoint/2010/main" val="926386069"/>
+        <p14:creationId xmlns:p14="http://schemas.microsoft.com/office/powerpoint/2010/main" val="603311938"/>
       </p:ext>
     </p:extLst>
   </p:cSld>
@@ -626,6 +614,114 @@
           <a:lstStyle/>
           <a:p>
             <a:r>
+              <a:rPr lang="en-US" altLang="zh-CN" dirty="0" smtClean="0"/>
+              <a:t>Roy Thomas Fielding</a:t>
+            </a:r>
+            <a:r>
+              <a:rPr lang="zh-CN" altLang="en-US" dirty="0" smtClean="0"/>
+              <a:t> 是</a:t>
+            </a:r>
+            <a:r>
+              <a:rPr lang="en-US" altLang="zh-CN" dirty="0" smtClean="0"/>
+              <a:t>HTTP1.0</a:t>
+            </a:r>
+            <a:r>
+              <a:rPr lang="zh-CN" altLang="en-US" dirty="0" smtClean="0"/>
+              <a:t> 和</a:t>
+            </a:r>
+            <a:r>
+              <a:rPr lang="en-US" altLang="zh-CN" dirty="0" smtClean="0"/>
+              <a:t>1.1</a:t>
+            </a:r>
+            <a:r>
+              <a:rPr lang="zh-CN" altLang="en-US" dirty="0" smtClean="0"/>
+              <a:t>版的主要设计者</a:t>
+            </a:r>
+            <a:endParaRPr lang="en-US" dirty="0"/>
+          </a:p>
+        </p:txBody>
+      </p:sp>
+      <p:sp>
+        <p:nvSpPr>
+          <p:cNvPr id="4" name="Slide Number Placeholder 3"/>
+          <p:cNvSpPr>
+            <a:spLocks noGrp="1"/>
+          </p:cNvSpPr>
+          <p:nvPr>
+            <p:ph type="sldNum" sz="quarter" idx="10"/>
+          </p:nvPr>
+        </p:nvSpPr>
+        <p:spPr/>
+        <p:txBody>
+          <a:bodyPr/>
+          <a:lstStyle/>
+          <a:p>
+            <a:fld id="{D43214C1-22BC-294D-9D10-BAD19A4DE91E}" type="slidenum">
+              <a:rPr lang="en-US" smtClean="0"/>
+              <a:t>11</a:t>
+            </a:fld>
+            <a:endParaRPr lang="en-US"/>
+          </a:p>
+        </p:txBody>
+      </p:sp>
+    </p:spTree>
+    <p:extLst>
+      <p:ext uri="{BB962C8B-B14F-4D97-AF65-F5344CB8AC3E}">
+        <p14:creationId xmlns:p14="http://schemas.microsoft.com/office/powerpoint/2010/main" val="926386069"/>
+      </p:ext>
+    </p:extLst>
+  </p:cSld>
+  <p:clrMapOvr>
+    <a:masterClrMapping/>
+  </p:clrMapOvr>
+</p:notes>
+</file>
+
+<file path=ppt/notesSlides/notesSlide3.xml><?xml version="1.0" encoding="utf-8"?>
+<p:notes xmlns:a="http://schemas.openxmlformats.org/drawingml/2006/main" xmlns:r="http://schemas.openxmlformats.org/officeDocument/2006/relationships" xmlns:p="http://schemas.openxmlformats.org/presentationml/2006/main">
+  <p:cSld>
+    <p:spTree>
+      <p:nvGrpSpPr>
+        <p:cNvPr id="1" name=""/>
+        <p:cNvGrpSpPr/>
+        <p:nvPr/>
+      </p:nvGrpSpPr>
+      <p:grpSpPr>
+        <a:xfrm>
+          <a:off x="0" y="0"/>
+          <a:ext cx="0" cy="0"/>
+          <a:chOff x="0" y="0"/>
+          <a:chExt cx="0" cy="0"/>
+        </a:xfrm>
+      </p:grpSpPr>
+      <p:sp>
+        <p:nvSpPr>
+          <p:cNvPr id="2" name="Slide Image Placeholder 1"/>
+          <p:cNvSpPr>
+            <a:spLocks noGrp="1" noRot="1" noChangeAspect="1"/>
+          </p:cNvSpPr>
+          <p:nvPr>
+            <p:ph type="sldImg"/>
+          </p:nvPr>
+        </p:nvSpPr>
+        <p:spPr/>
+      </p:sp>
+      <p:sp>
+        <p:nvSpPr>
+          <p:cNvPr id="3" name="Notes Placeholder 2"/>
+          <p:cNvSpPr>
+            <a:spLocks noGrp="1"/>
+          </p:cNvSpPr>
+          <p:nvPr>
+            <p:ph type="body" idx="1"/>
+          </p:nvPr>
+        </p:nvSpPr>
+        <p:spPr/>
+        <p:txBody>
+          <a:bodyPr/>
+          <a:lstStyle/>
+          <a:p>
+            <a:r>
               <a:rPr lang="en-US" dirty="0" smtClean="0">
                 <a:hlinkClick r:id="rId3"/>
               </a:rPr>
@@ -652,7 +748,7 @@
           <a:p>
             <a:fld id="{D43214C1-22BC-294D-9D10-BAD19A4DE91E}" type="slidenum">
               <a:rPr lang="en-US" smtClean="0"/>
-              <a:t>9</a:t>
+              <a:t>17</a:t>
             </a:fld>
             <a:endParaRPr lang="en-US"/>
           </a:p>
@@ -802,7 +898,7 @@
           <a:p>
             <a:fld id="{D0EBFAD4-7C52-124E-A3EA-A851705B6B25}" type="datetimeFigureOut">
               <a:rPr lang="en-US" smtClean="0"/>
-              <a:t>5/22/19</a:t>
+              <a:t>5/27/19</a:t>
             </a:fld>
             <a:endParaRPr lang="en-US"/>
           </a:p>
@@ -972,7 +1068,7 @@
           <a:p>
             <a:fld id="{D0EBFAD4-7C52-124E-A3EA-A851705B6B25}" type="datetimeFigureOut">
               <a:rPr lang="en-US" smtClean="0"/>
-              <a:t>5/22/19</a:t>
+              <a:t>5/27/19</a:t>
             </a:fld>
             <a:endParaRPr lang="en-US"/>
           </a:p>
@@ -1152,7 +1248,7 @@
           <a:p>
             <a:fld id="{D0EBFAD4-7C52-124E-A3EA-A851705B6B25}" type="datetimeFigureOut">
               <a:rPr lang="en-US" smtClean="0"/>
-              <a:t>5/22/19</a:t>
+              <a:t>5/27/19</a:t>
             </a:fld>
             <a:endParaRPr lang="en-US"/>
           </a:p>
@@ -1322,7 +1418,7 @@
           <a:p>
             <a:fld id="{D0EBFAD4-7C52-124E-A3EA-A851705B6B25}" type="datetimeFigureOut">
               <a:rPr lang="en-US" smtClean="0"/>
-              <a:t>5/22/19</a:t>
+              <a:t>5/27/19</a:t>
             </a:fld>
             <a:endParaRPr lang="en-US"/>
           </a:p>
@@ -1568,7 +1664,7 @@
           <a:p>
             <a:fld id="{D0EBFAD4-7C52-124E-A3EA-A851705B6B25}" type="datetimeFigureOut">
               <a:rPr lang="en-US" smtClean="0"/>
-              <a:t>5/22/19</a:t>
+              <a:t>5/27/19</a:t>
             </a:fld>
             <a:endParaRPr lang="en-US"/>
           </a:p>
@@ -1800,7 +1896,7 @@
           <a:p>
             <a:fld id="{D0EBFAD4-7C52-124E-A3EA-A851705B6B25}" type="datetimeFigureOut">
               <a:rPr lang="en-US" smtClean="0"/>
-              <a:t>5/22/19</a:t>
+              <a:t>5/27/19</a:t>
             </a:fld>
             <a:endParaRPr lang="en-US"/>
           </a:p>
@@ -2167,7 +2263,7 @@
           <a:p>
             <a:fld id="{D0EBFAD4-7C52-124E-A3EA-A851705B6B25}" type="datetimeFigureOut">
               <a:rPr lang="en-US" smtClean="0"/>
-              <a:t>5/22/19</a:t>
+              <a:t>5/27/19</a:t>
             </a:fld>
             <a:endParaRPr lang="en-US"/>
           </a:p>
@@ -2285,7 +2381,7 @@
           <a:p>
             <a:fld id="{D0EBFAD4-7C52-124E-A3EA-A851705B6B25}" type="datetimeFigureOut">
               <a:rPr lang="en-US" smtClean="0"/>
-              <a:t>5/22/19</a:t>
+              <a:t>5/27/19</a:t>
             </a:fld>
             <a:endParaRPr lang="en-US"/>
           </a:p>
@@ -2380,7 +2476,7 @@
           <a:p>
             <a:fld id="{D0EBFAD4-7C52-124E-A3EA-A851705B6B25}" type="datetimeFigureOut">
               <a:rPr lang="en-US" smtClean="0"/>
-              <a:t>5/22/19</a:t>
+              <a:t>5/27/19</a:t>
             </a:fld>
             <a:endParaRPr lang="en-US"/>
           </a:p>
@@ -2657,7 +2753,7 @@
           <a:p>
             <a:fld id="{D0EBFAD4-7C52-124E-A3EA-A851705B6B25}" type="datetimeFigureOut">
               <a:rPr lang="en-US" smtClean="0"/>
-              <a:t>5/22/19</a:t>
+              <a:t>5/27/19</a:t>
             </a:fld>
             <a:endParaRPr lang="en-US"/>
           </a:p>
@@ -2910,7 +3006,7 @@
           <a:p>
             <a:fld id="{D0EBFAD4-7C52-124E-A3EA-A851705B6B25}" type="datetimeFigureOut">
               <a:rPr lang="en-US" smtClean="0"/>
-              <a:t>5/22/19</a:t>
+              <a:t>5/27/19</a:t>
             </a:fld>
             <a:endParaRPr lang="en-US"/>
           </a:p>
@@ -3123,7 +3219,7 @@
           <a:p>
             <a:fld id="{D0EBFAD4-7C52-124E-A3EA-A851705B6B25}" type="datetimeFigureOut">
               <a:rPr lang="en-US" smtClean="0"/>
-              <a:t>5/22/19</a:t>
+              <a:t>5/27/19</a:t>
             </a:fld>
             <a:endParaRPr lang="en-US"/>
           </a:p>
@@ -3603,6 +3699,1645 @@
 </p:sld>
 </file>
 
+<file path=ppt/slides/slide10.xml><?xml version="1.0" encoding="utf-8"?>
+<p:sld xmlns:a="http://schemas.openxmlformats.org/drawingml/2006/main" xmlns:r="http://schemas.openxmlformats.org/officeDocument/2006/relationships" xmlns:p="http://schemas.openxmlformats.org/presentationml/2006/main">
+  <p:cSld>
+    <p:spTree>
+      <p:nvGrpSpPr>
+        <p:cNvPr id="1" name=""/>
+        <p:cNvGrpSpPr/>
+        <p:nvPr/>
+      </p:nvGrpSpPr>
+      <p:grpSpPr>
+        <a:xfrm>
+          <a:off x="0" y="0"/>
+          <a:ext cx="0" cy="0"/>
+          <a:chOff x="0" y="0"/>
+          <a:chExt cx="0" cy="0"/>
+        </a:xfrm>
+      </p:grpSpPr>
+      <p:sp>
+        <p:nvSpPr>
+          <p:cNvPr id="2" name="Title 1"/>
+          <p:cNvSpPr>
+            <a:spLocks noGrp="1"/>
+          </p:cNvSpPr>
+          <p:nvPr>
+            <p:ph type="title"/>
+          </p:nvPr>
+        </p:nvSpPr>
+        <p:spPr/>
+        <p:txBody>
+          <a:bodyPr/>
+          <a:lstStyle/>
+          <a:p>
+            <a:r>
+              <a:rPr lang="zh-CN" altLang="en-US" dirty="0" smtClean="0"/>
+              <a:t>练习</a:t>
+            </a:r>
+            <a:endParaRPr lang="en-US" dirty="0"/>
+          </a:p>
+        </p:txBody>
+      </p:sp>
+      <p:sp>
+        <p:nvSpPr>
+          <p:cNvPr id="3" name="Content Placeholder 2"/>
+          <p:cNvSpPr>
+            <a:spLocks noGrp="1"/>
+          </p:cNvSpPr>
+          <p:nvPr>
+            <p:ph idx="1"/>
+          </p:nvPr>
+        </p:nvSpPr>
+        <p:spPr/>
+        <p:txBody>
+          <a:bodyPr/>
+          <a:lstStyle/>
+          <a:p>
+            <a:r>
+              <a:rPr lang="zh-CN" altLang="en-US" dirty="0" smtClean="0"/>
+              <a:t>读取数据库中全部用户列表</a:t>
+            </a:r>
+            <a:endParaRPr lang="en-US" altLang="zh-CN" dirty="0" smtClean="0"/>
+          </a:p>
+          <a:p>
+            <a:r>
+              <a:rPr lang="zh-CN" altLang="en-US" dirty="0" smtClean="0"/>
+              <a:t>通过</a:t>
+            </a:r>
+            <a:r>
+              <a:rPr lang="en-US" altLang="zh-CN" dirty="0" err="1" smtClean="0"/>
+              <a:t>thymeleaf</a:t>
+            </a:r>
+            <a:r>
+              <a:rPr lang="zh-CN" altLang="en-US" dirty="0" smtClean="0"/>
+              <a:t>循环展示到</a:t>
+            </a:r>
+            <a:r>
+              <a:rPr lang="en-US" altLang="zh-CN" dirty="0" smtClean="0"/>
+              <a:t>HTML</a:t>
+            </a:r>
+            <a:r>
+              <a:rPr lang="zh-CN" altLang="en-US" dirty="0" smtClean="0"/>
+              <a:t>页面中</a:t>
+            </a:r>
+            <a:endParaRPr lang="en-US" altLang="zh-CN" dirty="0" smtClean="0"/>
+          </a:p>
+          <a:p>
+            <a:r>
+              <a:rPr lang="zh-CN" altLang="en-US" dirty="0" smtClean="0"/>
+              <a:t>如果名称包含</a:t>
+            </a:r>
+            <a:r>
+              <a:rPr lang="en-US" altLang="zh-CN" dirty="0" smtClean="0"/>
+              <a:t>”</a:t>
+            </a:r>
+            <a:r>
+              <a:rPr lang="en-US" altLang="zh-CN" dirty="0" err="1" smtClean="0"/>
+              <a:t>newit</a:t>
+            </a:r>
+            <a:r>
+              <a:rPr lang="en-US" altLang="zh-CN" dirty="0" smtClean="0"/>
+              <a:t>”</a:t>
+            </a:r>
+            <a:r>
+              <a:rPr lang="zh-CN" altLang="en-US" dirty="0" smtClean="0"/>
+              <a:t>，则高亮显示</a:t>
+            </a:r>
+            <a:endParaRPr lang="en-US" altLang="zh-CN" dirty="0" smtClean="0"/>
+          </a:p>
+          <a:p>
+            <a:endParaRPr lang="en-US" dirty="0"/>
+          </a:p>
+        </p:txBody>
+      </p:sp>
+    </p:spTree>
+    <p:extLst>
+      <p:ext uri="{BB962C8B-B14F-4D97-AF65-F5344CB8AC3E}">
+        <p14:creationId xmlns:p14="http://schemas.microsoft.com/office/powerpoint/2010/main" val="1130704496"/>
+      </p:ext>
+    </p:extLst>
+  </p:cSld>
+  <p:clrMapOvr>
+    <a:masterClrMapping/>
+  </p:clrMapOvr>
+</p:sld>
+</file>
+
+<file path=ppt/slides/slide11.xml><?xml version="1.0" encoding="utf-8"?>
+<p:sld xmlns:a="http://schemas.openxmlformats.org/drawingml/2006/main" xmlns:r="http://schemas.openxmlformats.org/officeDocument/2006/relationships" xmlns:p="http://schemas.openxmlformats.org/presentationml/2006/main">
+  <p:cSld>
+    <p:spTree>
+      <p:nvGrpSpPr>
+        <p:cNvPr id="1" name=""/>
+        <p:cNvGrpSpPr/>
+        <p:nvPr/>
+      </p:nvGrpSpPr>
+      <p:grpSpPr>
+        <a:xfrm>
+          <a:off x="0" y="0"/>
+          <a:ext cx="0" cy="0"/>
+          <a:chOff x="0" y="0"/>
+          <a:chExt cx="0" cy="0"/>
+        </a:xfrm>
+      </p:grpSpPr>
+      <p:sp>
+        <p:nvSpPr>
+          <p:cNvPr id="2" name="Title 1"/>
+          <p:cNvSpPr>
+            <a:spLocks noGrp="1"/>
+          </p:cNvSpPr>
+          <p:nvPr>
+            <p:ph type="title"/>
+          </p:nvPr>
+        </p:nvSpPr>
+        <p:spPr/>
+        <p:txBody>
+          <a:bodyPr/>
+          <a:lstStyle/>
+          <a:p>
+            <a:r>
+              <a:rPr lang="en-US" altLang="zh-CN" dirty="0" smtClean="0"/>
+              <a:t>REST</a:t>
+            </a:r>
+            <a:endParaRPr lang="en-US" dirty="0"/>
+          </a:p>
+        </p:txBody>
+      </p:sp>
+      <p:sp>
+        <p:nvSpPr>
+          <p:cNvPr id="3" name="Content Placeholder 2"/>
+          <p:cNvSpPr>
+            <a:spLocks noGrp="1"/>
+          </p:cNvSpPr>
+          <p:nvPr>
+            <p:ph idx="1"/>
+          </p:nvPr>
+        </p:nvSpPr>
+        <p:spPr/>
+        <p:txBody>
+          <a:bodyPr/>
+          <a:lstStyle/>
+          <a:p>
+            <a:r>
+              <a:rPr lang="zh-CN" altLang="en-US" dirty="0"/>
+              <a:t>表现层状态转换（英语：</a:t>
+            </a:r>
+            <a:r>
+              <a:rPr lang="en-US" altLang="zh-CN" dirty="0"/>
+              <a:t>Representational State Transfer</a:t>
+            </a:r>
+            <a:r>
+              <a:rPr lang="zh-CN" altLang="en-US" dirty="0"/>
+              <a:t>，缩写：</a:t>
+            </a:r>
+            <a:r>
+              <a:rPr lang="en-US" altLang="zh-CN" dirty="0"/>
+              <a:t>REST</a:t>
+            </a:r>
+            <a:r>
+              <a:rPr lang="zh-CN" altLang="en-US" dirty="0"/>
+              <a:t>）是</a:t>
+            </a:r>
+            <a:r>
+              <a:rPr lang="en-US" altLang="zh-CN" dirty="0"/>
+              <a:t>Roy Thomas Fielding</a:t>
+            </a:r>
+            <a:r>
+              <a:rPr lang="zh-CN" altLang="en-US" dirty="0"/>
+              <a:t>博士于</a:t>
+            </a:r>
+            <a:r>
+              <a:rPr lang="en-US" altLang="zh-CN" dirty="0"/>
+              <a:t>2000</a:t>
+            </a:r>
+            <a:r>
+              <a:rPr lang="zh-CN" altLang="en-US" dirty="0"/>
+              <a:t>年在他的博士</a:t>
+            </a:r>
+            <a:r>
+              <a:rPr lang="zh-CN" altLang="en-US" dirty="0" smtClean="0"/>
+              <a:t>论文中</a:t>
+            </a:r>
+            <a:r>
+              <a:rPr lang="zh-CN" altLang="en-US" dirty="0"/>
+              <a:t>提出来的一种万维网软件架构风格，目的是便于不同软件</a:t>
+            </a:r>
+            <a:r>
+              <a:rPr lang="en-US" altLang="zh-CN" dirty="0"/>
+              <a:t>/</a:t>
+            </a:r>
+            <a:r>
+              <a:rPr lang="zh-CN" altLang="en-US" dirty="0"/>
+              <a:t>程序在网络（例如互联网）中互相传递信息</a:t>
+            </a:r>
+            <a:r>
+              <a:rPr lang="zh-CN" altLang="en-US" dirty="0" smtClean="0"/>
+              <a:t>。</a:t>
+            </a:r>
+            <a:endParaRPr lang="en-US" altLang="zh-CN" dirty="0" smtClean="0"/>
+          </a:p>
+          <a:p>
+            <a:r>
+              <a:rPr lang="en-US" altLang="zh-CN" dirty="0"/>
+              <a:t>REST</a:t>
+            </a:r>
+            <a:r>
+              <a:rPr lang="zh-CN" altLang="en-US" dirty="0"/>
+              <a:t>是设计风格而</a:t>
+            </a:r>
+            <a:r>
+              <a:rPr lang="zh-CN" altLang="en-US" b="1" dirty="0"/>
+              <a:t>不是</a:t>
+            </a:r>
+            <a:r>
+              <a:rPr lang="zh-CN" altLang="en-US" dirty="0" smtClean="0"/>
+              <a:t>标准</a:t>
+            </a:r>
+            <a:endParaRPr lang="en-US" altLang="zh-CN" dirty="0" smtClean="0"/>
+          </a:p>
+          <a:p>
+            <a:r>
+              <a:rPr lang="en-US" dirty="0" err="1"/>
+              <a:t>匹配REST设计风格的Web</a:t>
+            </a:r>
+            <a:r>
+              <a:rPr lang="en-US" dirty="0"/>
+              <a:t> </a:t>
+            </a:r>
+            <a:r>
+              <a:rPr lang="en-US" dirty="0" err="1"/>
+              <a:t>API称为</a:t>
+            </a:r>
+            <a:r>
+              <a:rPr lang="en-US" b="1" dirty="0" err="1"/>
+              <a:t>RESTful</a:t>
+            </a:r>
+            <a:r>
+              <a:rPr lang="en-US" b="1" dirty="0"/>
+              <a:t> </a:t>
+            </a:r>
+            <a:r>
+              <a:rPr lang="en-US" b="1" dirty="0" smtClean="0"/>
+              <a:t>API</a:t>
+            </a:r>
+          </a:p>
+          <a:p>
+            <a:endParaRPr lang="en-US" dirty="0"/>
+          </a:p>
+        </p:txBody>
+      </p:sp>
+    </p:spTree>
+    <p:extLst>
+      <p:ext uri="{BB962C8B-B14F-4D97-AF65-F5344CB8AC3E}">
+        <p14:creationId xmlns:p14="http://schemas.microsoft.com/office/powerpoint/2010/main" val="685987695"/>
+      </p:ext>
+    </p:extLst>
+  </p:cSld>
+  <p:clrMapOvr>
+    <a:masterClrMapping/>
+  </p:clrMapOvr>
+</p:sld>
+</file>
+
+<file path=ppt/slides/slide12.xml><?xml version="1.0" encoding="utf-8"?>
+<p:sld xmlns:a="http://schemas.openxmlformats.org/drawingml/2006/main" xmlns:r="http://schemas.openxmlformats.org/officeDocument/2006/relationships" xmlns:p="http://schemas.openxmlformats.org/presentationml/2006/main">
+  <p:cSld>
+    <p:spTree>
+      <p:nvGrpSpPr>
+        <p:cNvPr id="1" name=""/>
+        <p:cNvGrpSpPr/>
+        <p:nvPr/>
+      </p:nvGrpSpPr>
+      <p:grpSpPr>
+        <a:xfrm>
+          <a:off x="0" y="0"/>
+          <a:ext cx="0" cy="0"/>
+          <a:chOff x="0" y="0"/>
+          <a:chExt cx="0" cy="0"/>
+        </a:xfrm>
+      </p:grpSpPr>
+      <p:sp>
+        <p:nvSpPr>
+          <p:cNvPr id="2" name="Title 1"/>
+          <p:cNvSpPr>
+            <a:spLocks noGrp="1"/>
+          </p:cNvSpPr>
+          <p:nvPr>
+            <p:ph type="title"/>
+          </p:nvPr>
+        </p:nvSpPr>
+        <p:spPr/>
+        <p:txBody>
+          <a:bodyPr/>
+          <a:lstStyle/>
+          <a:p>
+            <a:r>
+              <a:rPr lang="en-US" altLang="zh-CN" dirty="0" smtClean="0"/>
+              <a:t>REST</a:t>
+            </a:r>
+            <a:r>
+              <a:rPr lang="zh-CN" altLang="en-US" dirty="0" smtClean="0"/>
+              <a:t>的优点</a:t>
+            </a:r>
+            <a:endParaRPr lang="en-US" dirty="0"/>
+          </a:p>
+        </p:txBody>
+      </p:sp>
+      <p:sp>
+        <p:nvSpPr>
+          <p:cNvPr id="3" name="Content Placeholder 2"/>
+          <p:cNvSpPr>
+            <a:spLocks noGrp="1"/>
+          </p:cNvSpPr>
+          <p:nvPr>
+            <p:ph idx="1"/>
+          </p:nvPr>
+        </p:nvSpPr>
+        <p:spPr/>
+        <p:txBody>
+          <a:bodyPr/>
+          <a:lstStyle/>
+          <a:p>
+            <a:r>
+              <a:rPr lang="zh-CN" altLang="en-US" dirty="0"/>
+              <a:t>可更高效利用缓存来提高响应速度</a:t>
+            </a:r>
+          </a:p>
+          <a:p>
+            <a:r>
+              <a:rPr lang="zh-CN" altLang="en-US" dirty="0"/>
+              <a:t>通讯本身的无状态性可以让不同的服务器的处理一系列请求中的不同请求，提高服务器的扩展性</a:t>
+            </a:r>
+          </a:p>
+          <a:p>
+            <a:r>
+              <a:rPr lang="zh-CN" altLang="en-US" dirty="0"/>
+              <a:t>浏览器即可作为客户端，简化软件需求</a:t>
+            </a:r>
+          </a:p>
+          <a:p>
+            <a:r>
+              <a:rPr lang="zh-CN" altLang="en-US" dirty="0"/>
+              <a:t>相对于其他叠加在</a:t>
+            </a:r>
+            <a:r>
+              <a:rPr lang="en-US" altLang="zh-CN" dirty="0">
+                <a:hlinkClick r:id="rId2" tooltip="超文本传输协议"/>
+              </a:rPr>
+              <a:t>HTTP</a:t>
+            </a:r>
+            <a:r>
+              <a:rPr lang="zh-CN" altLang="en-US" dirty="0">
+                <a:hlinkClick r:id="rId2" tooltip="超文本传输协议"/>
+              </a:rPr>
+              <a:t>协议</a:t>
+            </a:r>
+            <a:r>
+              <a:rPr lang="zh-CN" altLang="en-US" dirty="0"/>
+              <a:t>之上的机制，</a:t>
+            </a:r>
+            <a:r>
+              <a:rPr lang="en-US" altLang="zh-CN" dirty="0"/>
+              <a:t>REST</a:t>
+            </a:r>
+            <a:r>
+              <a:rPr lang="zh-CN" altLang="en-US" dirty="0"/>
+              <a:t>的软件依赖性更小</a:t>
+            </a:r>
+          </a:p>
+          <a:p>
+            <a:r>
+              <a:rPr lang="zh-CN" altLang="en-US" dirty="0"/>
+              <a:t>不需要额外的资源发现机制</a:t>
+            </a:r>
+          </a:p>
+          <a:p>
+            <a:r>
+              <a:rPr lang="zh-CN" altLang="en-US" dirty="0"/>
+              <a:t>在软件技术演进中的长期的兼容性更</a:t>
+            </a:r>
+            <a:r>
+              <a:rPr lang="zh-CN" altLang="en-US" dirty="0" smtClean="0"/>
+              <a:t>好</a:t>
+            </a:r>
+            <a:endParaRPr lang="zh-CN" altLang="en-US" dirty="0"/>
+          </a:p>
+        </p:txBody>
+      </p:sp>
+    </p:spTree>
+    <p:extLst>
+      <p:ext uri="{BB962C8B-B14F-4D97-AF65-F5344CB8AC3E}">
+        <p14:creationId xmlns:p14="http://schemas.microsoft.com/office/powerpoint/2010/main" val="660736264"/>
+      </p:ext>
+    </p:extLst>
+  </p:cSld>
+  <p:clrMapOvr>
+    <a:masterClrMapping/>
+  </p:clrMapOvr>
+</p:sld>
+</file>
+
+<file path=ppt/slides/slide13.xml><?xml version="1.0" encoding="utf-8"?>
+<p:sld xmlns:a="http://schemas.openxmlformats.org/drawingml/2006/main" xmlns:r="http://schemas.openxmlformats.org/officeDocument/2006/relationships" xmlns:p="http://schemas.openxmlformats.org/presentationml/2006/main">
+  <p:cSld>
+    <p:spTree>
+      <p:nvGrpSpPr>
+        <p:cNvPr id="1" name=""/>
+        <p:cNvGrpSpPr/>
+        <p:nvPr/>
+      </p:nvGrpSpPr>
+      <p:grpSpPr>
+        <a:xfrm>
+          <a:off x="0" y="0"/>
+          <a:ext cx="0" cy="0"/>
+          <a:chOff x="0" y="0"/>
+          <a:chExt cx="0" cy="0"/>
+        </a:xfrm>
+      </p:grpSpPr>
+      <p:sp>
+        <p:nvSpPr>
+          <p:cNvPr id="2" name="Title 1"/>
+          <p:cNvSpPr>
+            <a:spLocks noGrp="1"/>
+          </p:cNvSpPr>
+          <p:nvPr>
+            <p:ph type="title"/>
+          </p:nvPr>
+        </p:nvSpPr>
+        <p:spPr/>
+        <p:txBody>
+          <a:bodyPr/>
+          <a:lstStyle/>
+          <a:p>
+            <a:r>
+              <a:rPr lang="en-US" altLang="zh-CN" dirty="0" smtClean="0"/>
+              <a:t>REST</a:t>
+            </a:r>
+            <a:r>
+              <a:rPr lang="zh-CN" altLang="en-US" dirty="0" smtClean="0"/>
+              <a:t>的</a:t>
+            </a:r>
+            <a:r>
+              <a:rPr lang="en-US" altLang="zh-CN" dirty="0" smtClean="0"/>
+              <a:t>URL</a:t>
+            </a:r>
+            <a:r>
+              <a:rPr lang="zh-CN" altLang="en-US" dirty="0" smtClean="0"/>
+              <a:t>设计</a:t>
+            </a:r>
+            <a:endParaRPr lang="en-US" dirty="0"/>
+          </a:p>
+        </p:txBody>
+      </p:sp>
+      <p:sp>
+        <p:nvSpPr>
+          <p:cNvPr id="3" name="Content Placeholder 2"/>
+          <p:cNvSpPr>
+            <a:spLocks noGrp="1"/>
+          </p:cNvSpPr>
+          <p:nvPr>
+            <p:ph idx="1"/>
+          </p:nvPr>
+        </p:nvSpPr>
+        <p:spPr/>
+        <p:txBody>
+          <a:bodyPr/>
+          <a:lstStyle/>
+          <a:p>
+            <a:r>
+              <a:rPr lang="zh-CN" altLang="en-US" dirty="0"/>
+              <a:t>动词 </a:t>
+            </a:r>
+            <a:r>
+              <a:rPr lang="en-US" altLang="zh-CN" dirty="0"/>
+              <a:t>+ </a:t>
+            </a:r>
+            <a:r>
+              <a:rPr lang="zh-CN" altLang="en-US" dirty="0"/>
+              <a:t>宾语</a:t>
+            </a:r>
+          </a:p>
+          <a:p>
+            <a:pPr lvl="1"/>
+            <a:r>
+              <a:rPr lang="en-US" altLang="zh-CN" dirty="0"/>
+              <a:t>RESTful </a:t>
+            </a:r>
+            <a:r>
+              <a:rPr lang="zh-CN" altLang="en-US" dirty="0"/>
+              <a:t>的核心思想就是，客户端发出的数据操作指令都是</a:t>
+            </a:r>
+            <a:r>
+              <a:rPr lang="en-US" altLang="zh-CN" dirty="0"/>
+              <a:t>"</a:t>
+            </a:r>
+            <a:r>
+              <a:rPr lang="zh-CN" altLang="en-US" dirty="0"/>
+              <a:t>动词 </a:t>
+            </a:r>
+            <a:r>
+              <a:rPr lang="en-US" altLang="zh-CN" dirty="0"/>
+              <a:t>+ </a:t>
+            </a:r>
+            <a:r>
+              <a:rPr lang="zh-CN" altLang="en-US" dirty="0"/>
+              <a:t>宾语</a:t>
+            </a:r>
+            <a:r>
+              <a:rPr lang="en-US" altLang="zh-CN" dirty="0"/>
+              <a:t>"</a:t>
+            </a:r>
+            <a:r>
+              <a:rPr lang="zh-CN" altLang="en-US" dirty="0"/>
+              <a:t>的结构</a:t>
+            </a:r>
+            <a:r>
+              <a:rPr lang="zh-CN" altLang="en-US" dirty="0" smtClean="0"/>
+              <a:t>。比如</a:t>
+            </a:r>
+            <a:r>
+              <a:rPr lang="zh-CN" altLang="en-US" dirty="0"/>
+              <a:t>，</a:t>
+            </a:r>
+            <a:r>
+              <a:rPr lang="en-US" altLang="zh-CN" dirty="0"/>
+              <a:t>GET /articles</a:t>
+            </a:r>
+            <a:r>
+              <a:rPr lang="zh-CN" altLang="en-US" dirty="0"/>
+              <a:t>这个命令，</a:t>
+            </a:r>
+            <a:r>
+              <a:rPr lang="en-US" altLang="zh-CN" dirty="0"/>
+              <a:t>GET</a:t>
+            </a:r>
+            <a:r>
+              <a:rPr lang="zh-CN" altLang="en-US" dirty="0"/>
+              <a:t>是动词，</a:t>
+            </a:r>
+            <a:r>
+              <a:rPr lang="en-US" altLang="zh-CN" dirty="0"/>
+              <a:t>/articles</a:t>
+            </a:r>
+            <a:r>
+              <a:rPr lang="zh-CN" altLang="en-US" dirty="0"/>
+              <a:t>是宾语</a:t>
+            </a:r>
+            <a:r>
+              <a:rPr lang="zh-CN" altLang="en-US" dirty="0" smtClean="0"/>
+              <a:t>。</a:t>
+            </a:r>
+            <a:endParaRPr lang="en-US" altLang="zh-CN" dirty="0" smtClean="0"/>
+          </a:p>
+          <a:p>
+            <a:pPr lvl="1"/>
+            <a:r>
+              <a:rPr lang="en-US" altLang="zh-CN" dirty="0" smtClean="0"/>
+              <a:t>HTTP</a:t>
+            </a:r>
+            <a:r>
+              <a:rPr lang="zh-CN" altLang="en-US" dirty="0" smtClean="0"/>
+              <a:t>的</a:t>
+            </a:r>
+            <a:r>
+              <a:rPr lang="en-US" altLang="zh-CN" dirty="0" smtClean="0"/>
+              <a:t>5</a:t>
+            </a:r>
+            <a:r>
+              <a:rPr lang="zh-CN" altLang="en-US" dirty="0" smtClean="0"/>
+              <a:t>种动作</a:t>
+            </a:r>
+            <a:endParaRPr lang="en-US" altLang="zh-CN" dirty="0" smtClean="0"/>
+          </a:p>
+          <a:p>
+            <a:pPr lvl="2"/>
+            <a:r>
+              <a:rPr lang="en-US" dirty="0" err="1"/>
+              <a:t>GET：读取（</a:t>
+            </a:r>
+            <a:r>
+              <a:rPr lang="en-US" dirty="0" err="1" smtClean="0"/>
+              <a:t>Read</a:t>
+            </a:r>
+            <a:r>
+              <a:rPr lang="en-US" dirty="0"/>
+              <a:t>）</a:t>
+            </a:r>
+          </a:p>
+          <a:p>
+            <a:pPr lvl="2"/>
+            <a:r>
+              <a:rPr lang="en-US" dirty="0" err="1"/>
+              <a:t>POST：新建</a:t>
+            </a:r>
+            <a:r>
+              <a:rPr lang="en-US" dirty="0" err="1" smtClean="0"/>
+              <a:t>（Create</a:t>
+            </a:r>
+            <a:r>
+              <a:rPr lang="en-US" dirty="0" smtClean="0"/>
+              <a:t>）</a:t>
+            </a:r>
+            <a:endParaRPr lang="en-US" dirty="0"/>
+          </a:p>
+          <a:p>
+            <a:pPr lvl="2"/>
+            <a:r>
+              <a:rPr lang="en-US" dirty="0" err="1"/>
+              <a:t>PUT：更新（Update</a:t>
+            </a:r>
+            <a:r>
+              <a:rPr lang="en-US" dirty="0"/>
+              <a:t>）</a:t>
+            </a:r>
+          </a:p>
+          <a:p>
+            <a:pPr lvl="2"/>
+            <a:r>
+              <a:rPr lang="en-US" dirty="0" err="1"/>
+              <a:t>PATCH：更新（Update</a:t>
+            </a:r>
+            <a:r>
+              <a:rPr lang="en-US" dirty="0"/>
+              <a:t>），通常是部分更新</a:t>
+            </a:r>
+          </a:p>
+          <a:p>
+            <a:pPr lvl="2"/>
+            <a:r>
+              <a:rPr lang="en-US" dirty="0" err="1"/>
+              <a:t>DELETE：删除（Delete</a:t>
+            </a:r>
+            <a:r>
+              <a:rPr lang="en-US" dirty="0"/>
+              <a:t>）</a:t>
+            </a:r>
+          </a:p>
+          <a:p>
+            <a:pPr lvl="2"/>
+            <a:endParaRPr lang="en-US" dirty="0"/>
+          </a:p>
+        </p:txBody>
+      </p:sp>
+    </p:spTree>
+    <p:extLst>
+      <p:ext uri="{BB962C8B-B14F-4D97-AF65-F5344CB8AC3E}">
+        <p14:creationId xmlns:p14="http://schemas.microsoft.com/office/powerpoint/2010/main" val="611340816"/>
+      </p:ext>
+    </p:extLst>
+  </p:cSld>
+  <p:clrMapOvr>
+    <a:masterClrMapping/>
+  </p:clrMapOvr>
+</p:sld>
+</file>
+
+<file path=ppt/slides/slide14.xml><?xml version="1.0" encoding="utf-8"?>
+<p:sld xmlns:a="http://schemas.openxmlformats.org/drawingml/2006/main" xmlns:r="http://schemas.openxmlformats.org/officeDocument/2006/relationships" xmlns:p="http://schemas.openxmlformats.org/presentationml/2006/main">
+  <p:cSld>
+    <p:spTree>
+      <p:nvGrpSpPr>
+        <p:cNvPr id="1" name=""/>
+        <p:cNvGrpSpPr/>
+        <p:nvPr/>
+      </p:nvGrpSpPr>
+      <p:grpSpPr>
+        <a:xfrm>
+          <a:off x="0" y="0"/>
+          <a:ext cx="0" cy="0"/>
+          <a:chOff x="0" y="0"/>
+          <a:chExt cx="0" cy="0"/>
+        </a:xfrm>
+      </p:grpSpPr>
+      <p:sp>
+        <p:nvSpPr>
+          <p:cNvPr id="2" name="Title 1"/>
+          <p:cNvSpPr>
+            <a:spLocks noGrp="1"/>
+          </p:cNvSpPr>
+          <p:nvPr>
+            <p:ph type="title"/>
+          </p:nvPr>
+        </p:nvSpPr>
+        <p:spPr/>
+        <p:txBody>
+          <a:bodyPr/>
+          <a:lstStyle/>
+          <a:p>
+            <a:r>
+              <a:rPr lang="en-US" altLang="zh-CN" dirty="0"/>
+              <a:t>REST</a:t>
+            </a:r>
+            <a:r>
+              <a:rPr lang="zh-CN" altLang="en-US" dirty="0"/>
+              <a:t>的</a:t>
+            </a:r>
+            <a:r>
+              <a:rPr lang="en-US" altLang="zh-CN" dirty="0"/>
+              <a:t>URL</a:t>
+            </a:r>
+            <a:r>
+              <a:rPr lang="zh-CN" altLang="en-US" dirty="0"/>
+              <a:t>设计</a:t>
+            </a:r>
+            <a:endParaRPr lang="en-US" dirty="0"/>
+          </a:p>
+        </p:txBody>
+      </p:sp>
+      <p:sp>
+        <p:nvSpPr>
+          <p:cNvPr id="3" name="Content Placeholder 2"/>
+          <p:cNvSpPr>
+            <a:spLocks noGrp="1"/>
+          </p:cNvSpPr>
+          <p:nvPr>
+            <p:ph idx="1"/>
+          </p:nvPr>
+        </p:nvSpPr>
+        <p:spPr/>
+        <p:txBody>
+          <a:bodyPr/>
+          <a:lstStyle/>
+          <a:p>
+            <a:r>
+              <a:rPr lang="zh-CN" altLang="en-US" dirty="0"/>
+              <a:t>宾语必须是名词</a:t>
+            </a:r>
+          </a:p>
+          <a:p>
+            <a:pPr lvl="1"/>
+            <a:r>
+              <a:rPr lang="zh-CN" altLang="en-US" dirty="0"/>
+              <a:t>宾语就是 </a:t>
+            </a:r>
+            <a:r>
+              <a:rPr lang="en-US" altLang="zh-CN" dirty="0"/>
+              <a:t>API </a:t>
+            </a:r>
+            <a:r>
+              <a:rPr lang="zh-CN" altLang="en-US" dirty="0"/>
+              <a:t>的 </a:t>
+            </a:r>
+            <a:r>
+              <a:rPr lang="en-US" altLang="zh-CN" dirty="0"/>
+              <a:t>URL</a:t>
+            </a:r>
+            <a:r>
+              <a:rPr lang="zh-CN" altLang="en-US" dirty="0"/>
+              <a:t>，是 </a:t>
+            </a:r>
+            <a:r>
+              <a:rPr lang="en-US" altLang="zh-CN" dirty="0"/>
+              <a:t>HTTP </a:t>
+            </a:r>
+            <a:r>
+              <a:rPr lang="zh-CN" altLang="en-US" dirty="0"/>
+              <a:t>动词作用的对象。它应该是名词，不能是动词。比如，</a:t>
+            </a:r>
+            <a:r>
+              <a:rPr lang="en-US" altLang="zh-CN" dirty="0"/>
+              <a:t>/articles</a:t>
+            </a:r>
+            <a:r>
+              <a:rPr lang="zh-CN" altLang="en-US" dirty="0"/>
+              <a:t>这个 </a:t>
+            </a:r>
+            <a:r>
+              <a:rPr lang="en-US" altLang="zh-CN" dirty="0"/>
+              <a:t>URL </a:t>
+            </a:r>
+            <a:r>
+              <a:rPr lang="zh-CN" altLang="en-US" dirty="0"/>
+              <a:t>就是正确的，而下面的 </a:t>
+            </a:r>
+            <a:r>
+              <a:rPr lang="en-US" altLang="zh-CN" dirty="0"/>
+              <a:t>URL </a:t>
+            </a:r>
+            <a:r>
+              <a:rPr lang="zh-CN" altLang="en-US" dirty="0"/>
+              <a:t>不是名词，所以都是错误的</a:t>
+            </a:r>
+            <a:r>
+              <a:rPr lang="zh-CN" altLang="en-US" dirty="0" smtClean="0"/>
+              <a:t>。</a:t>
+            </a:r>
+            <a:endParaRPr lang="en-US" altLang="zh-CN" dirty="0" smtClean="0"/>
+          </a:p>
+          <a:p>
+            <a:pPr lvl="1"/>
+            <a:r>
+              <a:rPr lang="en-US" dirty="0"/>
+              <a:t>/</a:t>
+            </a:r>
+            <a:r>
+              <a:rPr lang="en-US" dirty="0" err="1"/>
+              <a:t>getAllCars</a:t>
+            </a:r>
+            <a:endParaRPr lang="en-US" dirty="0"/>
+          </a:p>
+          <a:p>
+            <a:pPr lvl="1"/>
+            <a:r>
+              <a:rPr lang="en-US" dirty="0"/>
+              <a:t>/</a:t>
+            </a:r>
+            <a:r>
+              <a:rPr lang="en-US" dirty="0" err="1"/>
+              <a:t>createNewCar</a:t>
+            </a:r>
+            <a:endParaRPr lang="en-US" dirty="0"/>
+          </a:p>
+          <a:p>
+            <a:pPr lvl="1"/>
+            <a:r>
+              <a:rPr lang="en-US" dirty="0"/>
+              <a:t>/</a:t>
+            </a:r>
+            <a:r>
+              <a:rPr lang="en-US" dirty="0" err="1"/>
+              <a:t>deleteAllRedCars</a:t>
+            </a:r>
+            <a:endParaRPr lang="en-US" dirty="0"/>
+          </a:p>
+          <a:p>
+            <a:pPr lvl="1"/>
+            <a:endParaRPr lang="en-US" dirty="0"/>
+          </a:p>
+        </p:txBody>
+      </p:sp>
+    </p:spTree>
+    <p:extLst>
+      <p:ext uri="{BB962C8B-B14F-4D97-AF65-F5344CB8AC3E}">
+        <p14:creationId xmlns:p14="http://schemas.microsoft.com/office/powerpoint/2010/main" val="1632079414"/>
+      </p:ext>
+    </p:extLst>
+  </p:cSld>
+  <p:clrMapOvr>
+    <a:masterClrMapping/>
+  </p:clrMapOvr>
+</p:sld>
+</file>
+
+<file path=ppt/slides/slide15.xml><?xml version="1.0" encoding="utf-8"?>
+<p:sld xmlns:a="http://schemas.openxmlformats.org/drawingml/2006/main" xmlns:r="http://schemas.openxmlformats.org/officeDocument/2006/relationships" xmlns:p="http://schemas.openxmlformats.org/presentationml/2006/main">
+  <p:cSld>
+    <p:spTree>
+      <p:nvGrpSpPr>
+        <p:cNvPr id="1" name=""/>
+        <p:cNvGrpSpPr/>
+        <p:nvPr/>
+      </p:nvGrpSpPr>
+      <p:grpSpPr>
+        <a:xfrm>
+          <a:off x="0" y="0"/>
+          <a:ext cx="0" cy="0"/>
+          <a:chOff x="0" y="0"/>
+          <a:chExt cx="0" cy="0"/>
+        </a:xfrm>
+      </p:grpSpPr>
+      <p:sp>
+        <p:nvSpPr>
+          <p:cNvPr id="2" name="Title 1"/>
+          <p:cNvSpPr>
+            <a:spLocks noGrp="1"/>
+          </p:cNvSpPr>
+          <p:nvPr>
+            <p:ph type="title"/>
+          </p:nvPr>
+        </p:nvSpPr>
+        <p:spPr/>
+        <p:txBody>
+          <a:bodyPr/>
+          <a:lstStyle/>
+          <a:p>
+            <a:r>
+              <a:rPr lang="en-US" altLang="zh-CN" dirty="0"/>
+              <a:t>REST</a:t>
+            </a:r>
+            <a:r>
+              <a:rPr lang="zh-CN" altLang="en-US" dirty="0"/>
+              <a:t>的</a:t>
+            </a:r>
+            <a:r>
+              <a:rPr lang="en-US" altLang="zh-CN" dirty="0"/>
+              <a:t>URL</a:t>
+            </a:r>
+            <a:r>
+              <a:rPr lang="zh-CN" altLang="en-US" dirty="0"/>
+              <a:t>设计</a:t>
+            </a:r>
+            <a:endParaRPr lang="en-US" dirty="0"/>
+          </a:p>
+        </p:txBody>
+      </p:sp>
+      <p:sp>
+        <p:nvSpPr>
+          <p:cNvPr id="3" name="Content Placeholder 2"/>
+          <p:cNvSpPr>
+            <a:spLocks noGrp="1"/>
+          </p:cNvSpPr>
+          <p:nvPr>
+            <p:ph idx="1"/>
+          </p:nvPr>
+        </p:nvSpPr>
+        <p:spPr/>
+        <p:txBody>
+          <a:bodyPr/>
+          <a:lstStyle/>
+          <a:p>
+            <a:r>
+              <a:rPr lang="zh-CN" altLang="en-US" dirty="0"/>
+              <a:t>避免多级 </a:t>
+            </a:r>
+            <a:r>
+              <a:rPr lang="en-US" altLang="zh-CN" dirty="0"/>
+              <a:t>URL</a:t>
+            </a:r>
+          </a:p>
+          <a:p>
+            <a:pPr lvl="1"/>
+            <a:r>
+              <a:rPr lang="zh-CN" altLang="en-US" dirty="0"/>
+              <a:t>常见的情况是，资源需要多级分类，因此很容易写出多级的 </a:t>
+            </a:r>
+            <a:r>
+              <a:rPr lang="en-US" altLang="zh-CN" dirty="0"/>
+              <a:t>URL</a:t>
+            </a:r>
+            <a:r>
+              <a:rPr lang="zh-CN" altLang="en-US" dirty="0"/>
+              <a:t>，比如获取某个作者的某一类文章</a:t>
+            </a:r>
+            <a:r>
+              <a:rPr lang="zh-CN" altLang="en-US" dirty="0" smtClean="0"/>
+              <a:t>。</a:t>
+            </a:r>
+            <a:endParaRPr lang="en-US" altLang="zh-CN" dirty="0" smtClean="0"/>
+          </a:p>
+          <a:p>
+            <a:pPr lvl="2"/>
+            <a:r>
+              <a:rPr lang="en-US" dirty="0"/>
+              <a:t>GET /</a:t>
+            </a:r>
+            <a:r>
+              <a:rPr lang="en-US" dirty="0" smtClean="0"/>
+              <a:t>authors/12/categories/2</a:t>
+            </a:r>
+          </a:p>
+          <a:p>
+            <a:pPr lvl="1"/>
+            <a:r>
+              <a:rPr lang="zh-CN" altLang="en-US" dirty="0"/>
+              <a:t>这种 </a:t>
+            </a:r>
+            <a:r>
+              <a:rPr lang="en-US" altLang="zh-CN" dirty="0"/>
+              <a:t>URL </a:t>
+            </a:r>
+            <a:r>
+              <a:rPr lang="zh-CN" altLang="en-US" dirty="0"/>
+              <a:t>不利于扩展，语义也不明确，往往要想一会，才能明白含义</a:t>
+            </a:r>
+            <a:r>
+              <a:rPr lang="zh-CN" altLang="en-US" dirty="0" smtClean="0"/>
+              <a:t>。</a:t>
+            </a:r>
+            <a:endParaRPr lang="en-US" altLang="zh-CN" dirty="0" smtClean="0"/>
+          </a:p>
+          <a:p>
+            <a:pPr lvl="1"/>
+            <a:r>
+              <a:rPr lang="zh-CN" altLang="en-US" dirty="0"/>
+              <a:t>更好的做法是，除了第一级，其他级别都用查询字符串表达</a:t>
+            </a:r>
+            <a:r>
+              <a:rPr lang="zh-CN" altLang="en-US" dirty="0" smtClean="0"/>
+              <a:t>。</a:t>
+            </a:r>
+            <a:endParaRPr lang="en-US" altLang="zh-CN" dirty="0" smtClean="0"/>
+          </a:p>
+          <a:p>
+            <a:pPr lvl="2"/>
+            <a:r>
+              <a:rPr lang="en-US" dirty="0"/>
+              <a:t>GET /</a:t>
+            </a:r>
+            <a:r>
+              <a:rPr lang="en-US" dirty="0" smtClean="0"/>
+              <a:t>authors/12?categories=2</a:t>
+            </a:r>
+          </a:p>
+          <a:p>
+            <a:pPr lvl="1"/>
+            <a:r>
+              <a:rPr lang="zh-CN" altLang="en-US" dirty="0"/>
+              <a:t>查询已发布的</a:t>
+            </a:r>
+            <a:r>
+              <a:rPr lang="zh-CN" altLang="en-US" dirty="0" smtClean="0"/>
+              <a:t>文章</a:t>
+            </a:r>
+            <a:endParaRPr lang="en-US" altLang="zh-CN" dirty="0" smtClean="0"/>
+          </a:p>
+          <a:p>
+            <a:pPr lvl="2"/>
+            <a:r>
+              <a:rPr lang="en-US" dirty="0"/>
+              <a:t>GET /</a:t>
+            </a:r>
+            <a:r>
+              <a:rPr lang="en-US" dirty="0" smtClean="0"/>
+              <a:t>articles/published</a:t>
+            </a:r>
+          </a:p>
+          <a:p>
+            <a:pPr lvl="2"/>
+            <a:r>
+              <a:rPr lang="en-US" dirty="0"/>
+              <a:t>GET /</a:t>
+            </a:r>
+            <a:r>
+              <a:rPr lang="en-US" dirty="0" err="1" smtClean="0"/>
+              <a:t>articles?published</a:t>
+            </a:r>
+            <a:r>
+              <a:rPr lang="en-US" dirty="0" smtClean="0"/>
+              <a:t>=true</a:t>
+            </a:r>
+            <a:r>
+              <a:rPr lang="zh-CN" altLang="en-US" dirty="0" smtClean="0"/>
+              <a:t> </a:t>
+            </a:r>
+            <a:r>
+              <a:rPr lang="en-US" altLang="zh-CN" dirty="0" smtClean="0"/>
+              <a:t>(</a:t>
+            </a:r>
+            <a:r>
+              <a:rPr lang="zh-CN" altLang="en-US" dirty="0" smtClean="0"/>
+              <a:t>更好</a:t>
+            </a:r>
+            <a:r>
+              <a:rPr lang="en-US" altLang="zh-CN" dirty="0" smtClean="0"/>
+              <a:t>)</a:t>
+            </a:r>
+            <a:endParaRPr lang="en-US" dirty="0"/>
+          </a:p>
+          <a:p>
+            <a:pPr lvl="1"/>
+            <a:endParaRPr lang="en-US" dirty="0"/>
+          </a:p>
+        </p:txBody>
+      </p:sp>
+    </p:spTree>
+    <p:extLst>
+      <p:ext uri="{BB962C8B-B14F-4D97-AF65-F5344CB8AC3E}">
+        <p14:creationId xmlns:p14="http://schemas.microsoft.com/office/powerpoint/2010/main" val="658285734"/>
+      </p:ext>
+    </p:extLst>
+  </p:cSld>
+  <p:clrMapOvr>
+    <a:masterClrMapping/>
+  </p:clrMapOvr>
+</p:sld>
+</file>
+
+<file path=ppt/slides/slide16.xml><?xml version="1.0" encoding="utf-8"?>
+<p:sld xmlns:a="http://schemas.openxmlformats.org/drawingml/2006/main" xmlns:r="http://schemas.openxmlformats.org/officeDocument/2006/relationships" xmlns:p="http://schemas.openxmlformats.org/presentationml/2006/main">
+  <p:cSld>
+    <p:spTree>
+      <p:nvGrpSpPr>
+        <p:cNvPr id="1" name=""/>
+        <p:cNvGrpSpPr/>
+        <p:nvPr/>
+      </p:nvGrpSpPr>
+      <p:grpSpPr>
+        <a:xfrm>
+          <a:off x="0" y="0"/>
+          <a:ext cx="0" cy="0"/>
+          <a:chOff x="0" y="0"/>
+          <a:chExt cx="0" cy="0"/>
+        </a:xfrm>
+      </p:grpSpPr>
+      <p:sp>
+        <p:nvSpPr>
+          <p:cNvPr id="2" name="Title 1"/>
+          <p:cNvSpPr>
+            <a:spLocks noGrp="1"/>
+          </p:cNvSpPr>
+          <p:nvPr>
+            <p:ph type="title"/>
+          </p:nvPr>
+        </p:nvSpPr>
+        <p:spPr/>
+        <p:txBody>
+          <a:bodyPr/>
+          <a:lstStyle/>
+          <a:p>
+            <a:r>
+              <a:rPr lang="zh-CN" altLang="en-US" dirty="0"/>
+              <a:t>状态</a:t>
+            </a:r>
+            <a:r>
+              <a:rPr lang="zh-CN" altLang="en-US" dirty="0" smtClean="0"/>
+              <a:t>码</a:t>
+            </a:r>
+            <a:endParaRPr lang="en-US" dirty="0"/>
+          </a:p>
+        </p:txBody>
+      </p:sp>
+      <p:sp>
+        <p:nvSpPr>
+          <p:cNvPr id="3" name="Content Placeholder 2"/>
+          <p:cNvSpPr>
+            <a:spLocks noGrp="1"/>
+          </p:cNvSpPr>
+          <p:nvPr>
+            <p:ph idx="1"/>
+          </p:nvPr>
+        </p:nvSpPr>
+        <p:spPr/>
+        <p:txBody>
+          <a:bodyPr/>
+          <a:lstStyle/>
+          <a:p>
+            <a:r>
+              <a:rPr lang="zh-CN" altLang="en-US" dirty="0"/>
+              <a:t>状态码必须精确</a:t>
+            </a:r>
+          </a:p>
+          <a:p>
+            <a:pPr lvl="1"/>
+            <a:r>
+              <a:rPr lang="en-US" altLang="zh-CN" dirty="0"/>
+              <a:t>1xx</a:t>
+            </a:r>
+            <a:r>
+              <a:rPr lang="zh-CN" altLang="en-US" dirty="0"/>
+              <a:t>：相关信息</a:t>
+            </a:r>
+          </a:p>
+          <a:p>
+            <a:pPr lvl="1"/>
+            <a:r>
+              <a:rPr lang="en-US" altLang="zh-CN" dirty="0"/>
+              <a:t>2xx</a:t>
+            </a:r>
+            <a:r>
+              <a:rPr lang="zh-CN" altLang="en-US" dirty="0"/>
+              <a:t>：操作成功</a:t>
+            </a:r>
+          </a:p>
+          <a:p>
+            <a:pPr lvl="1"/>
+            <a:r>
+              <a:rPr lang="en-US" altLang="zh-CN" dirty="0"/>
+              <a:t>3xx</a:t>
+            </a:r>
+            <a:r>
+              <a:rPr lang="zh-CN" altLang="en-US" dirty="0"/>
+              <a:t>：重定向</a:t>
+            </a:r>
+          </a:p>
+          <a:p>
+            <a:pPr lvl="1"/>
+            <a:r>
+              <a:rPr lang="en-US" altLang="zh-CN" dirty="0"/>
+              <a:t>4xx</a:t>
+            </a:r>
+            <a:r>
+              <a:rPr lang="zh-CN" altLang="en-US" dirty="0"/>
+              <a:t>：客户端错误</a:t>
+            </a:r>
+          </a:p>
+          <a:p>
+            <a:pPr lvl="1"/>
+            <a:r>
+              <a:rPr lang="en-US" altLang="zh-CN" dirty="0"/>
+              <a:t>5xx</a:t>
+            </a:r>
+            <a:r>
+              <a:rPr lang="zh-CN" altLang="en-US" dirty="0"/>
+              <a:t>：服务器错误</a:t>
+            </a:r>
+          </a:p>
+          <a:p>
+            <a:pPr lvl="1"/>
+            <a:endParaRPr lang="en-US" dirty="0"/>
+          </a:p>
+        </p:txBody>
+      </p:sp>
+    </p:spTree>
+    <p:extLst>
+      <p:ext uri="{BB962C8B-B14F-4D97-AF65-F5344CB8AC3E}">
+        <p14:creationId xmlns:p14="http://schemas.microsoft.com/office/powerpoint/2010/main" val="815227479"/>
+      </p:ext>
+    </p:extLst>
+  </p:cSld>
+  <p:clrMapOvr>
+    <a:masterClrMapping/>
+  </p:clrMapOvr>
+</p:sld>
+</file>
+
+<file path=ppt/slides/slide17.xml><?xml version="1.0" encoding="utf-8"?>
+<p:sld xmlns:a="http://schemas.openxmlformats.org/drawingml/2006/main" xmlns:r="http://schemas.openxmlformats.org/officeDocument/2006/relationships" xmlns:p="http://schemas.openxmlformats.org/presentationml/2006/main">
+  <p:cSld>
+    <p:spTree>
+      <p:nvGrpSpPr>
+        <p:cNvPr id="1" name=""/>
+        <p:cNvGrpSpPr/>
+        <p:nvPr/>
+      </p:nvGrpSpPr>
+      <p:grpSpPr>
+        <a:xfrm>
+          <a:off x="0" y="0"/>
+          <a:ext cx="0" cy="0"/>
+          <a:chOff x="0" y="0"/>
+          <a:chExt cx="0" cy="0"/>
+        </a:xfrm>
+      </p:grpSpPr>
+      <p:sp>
+        <p:nvSpPr>
+          <p:cNvPr id="2" name="Title 1"/>
+          <p:cNvSpPr>
+            <a:spLocks noGrp="1"/>
+          </p:cNvSpPr>
+          <p:nvPr>
+            <p:ph type="title"/>
+          </p:nvPr>
+        </p:nvSpPr>
+        <p:spPr/>
+        <p:txBody>
+          <a:bodyPr/>
+          <a:lstStyle/>
+          <a:p>
+            <a:r>
+              <a:rPr lang="zh-CN" altLang="en-US" dirty="0"/>
+              <a:t>服务器</a:t>
+            </a:r>
+            <a:r>
+              <a:rPr lang="zh-CN" altLang="en-US" dirty="0" smtClean="0"/>
+              <a:t>回应</a:t>
+            </a:r>
+            <a:endParaRPr lang="en-US" dirty="0"/>
+          </a:p>
+        </p:txBody>
+      </p:sp>
+      <p:sp>
+        <p:nvSpPr>
+          <p:cNvPr id="3" name="Content Placeholder 2"/>
+          <p:cNvSpPr>
+            <a:spLocks noGrp="1"/>
+          </p:cNvSpPr>
+          <p:nvPr>
+            <p:ph idx="1"/>
+          </p:nvPr>
+        </p:nvSpPr>
+        <p:spPr/>
+        <p:txBody>
+          <a:bodyPr>
+            <a:normAutofit lnSpcReduction="10000"/>
+          </a:bodyPr>
+          <a:lstStyle/>
+          <a:p>
+            <a:r>
+              <a:rPr lang="zh-CN" altLang="en-US" dirty="0"/>
+              <a:t>不要返回纯本文</a:t>
+            </a:r>
+          </a:p>
+          <a:p>
+            <a:pPr lvl="1"/>
+            <a:r>
+              <a:rPr lang="en-US" altLang="zh-CN" dirty="0"/>
+              <a:t>API </a:t>
+            </a:r>
+            <a:r>
+              <a:rPr lang="zh-CN" altLang="en-US" dirty="0"/>
+              <a:t>返回的数据格式，不应该是纯文本，而应该是一个 </a:t>
+            </a:r>
+            <a:r>
+              <a:rPr lang="en-US" altLang="zh-CN" dirty="0"/>
+              <a:t>JSON </a:t>
+            </a:r>
+            <a:r>
+              <a:rPr lang="zh-CN" altLang="en-US" dirty="0"/>
+              <a:t>对象，因为这样才能返回标准的结构化数据。所以，服务器回应的 </a:t>
+            </a:r>
+            <a:r>
+              <a:rPr lang="en-US" altLang="zh-CN" dirty="0"/>
+              <a:t>HTTP </a:t>
+            </a:r>
+            <a:r>
+              <a:rPr lang="zh-CN" altLang="en-US" dirty="0"/>
+              <a:t>头的</a:t>
+            </a:r>
+            <a:r>
+              <a:rPr lang="en-US" altLang="zh-CN" dirty="0"/>
+              <a:t>Content-Type</a:t>
+            </a:r>
+            <a:r>
+              <a:rPr lang="zh-CN" altLang="en-US" dirty="0"/>
+              <a:t>属性要设为</a:t>
+            </a:r>
+            <a:r>
+              <a:rPr lang="en-US" altLang="zh-CN" dirty="0"/>
+              <a:t>application/</a:t>
+            </a:r>
+            <a:r>
+              <a:rPr lang="en-US" altLang="zh-CN" dirty="0" err="1"/>
+              <a:t>json</a:t>
+            </a:r>
+            <a:r>
+              <a:rPr lang="zh-CN" altLang="en-US" dirty="0"/>
+              <a:t>。</a:t>
+            </a:r>
+          </a:p>
+          <a:p>
+            <a:pPr lvl="1"/>
+            <a:r>
+              <a:rPr lang="zh-CN" altLang="en-US" dirty="0"/>
+              <a:t>客户端请求时，也要明确告诉服务器，可以接受 </a:t>
+            </a:r>
+            <a:r>
+              <a:rPr lang="en-US" altLang="zh-CN" dirty="0"/>
+              <a:t>JSON </a:t>
+            </a:r>
+            <a:r>
+              <a:rPr lang="zh-CN" altLang="en-US" dirty="0"/>
+              <a:t>格式，即请求的 </a:t>
+            </a:r>
+            <a:r>
+              <a:rPr lang="en-US" altLang="zh-CN" dirty="0"/>
+              <a:t>HTTP </a:t>
+            </a:r>
+            <a:r>
+              <a:rPr lang="zh-CN" altLang="en-US" dirty="0"/>
+              <a:t>头的</a:t>
+            </a:r>
+            <a:r>
+              <a:rPr lang="en-US" altLang="zh-CN" dirty="0"/>
+              <a:t>ACCEPT</a:t>
+            </a:r>
+            <a:r>
+              <a:rPr lang="zh-CN" altLang="en-US" dirty="0"/>
+              <a:t>属性也要设成</a:t>
+            </a:r>
+            <a:r>
+              <a:rPr lang="en-US" altLang="zh-CN" dirty="0"/>
+              <a:t>application/</a:t>
+            </a:r>
+            <a:r>
+              <a:rPr lang="en-US" altLang="zh-CN" dirty="0" err="1"/>
+              <a:t>json</a:t>
+            </a:r>
+            <a:r>
+              <a:rPr lang="zh-CN" altLang="en-US" dirty="0"/>
+              <a:t>。</a:t>
+            </a:r>
+          </a:p>
+          <a:p>
+            <a:r>
+              <a:rPr lang="zh-CN" altLang="en-US" dirty="0"/>
+              <a:t>发生错误时，不要返回 </a:t>
+            </a:r>
+            <a:r>
+              <a:rPr lang="en-US" altLang="zh-CN" dirty="0"/>
+              <a:t>200 </a:t>
+            </a:r>
+            <a:r>
+              <a:rPr lang="zh-CN" altLang="en-US" dirty="0"/>
+              <a:t>状态码</a:t>
+            </a:r>
+          </a:p>
+          <a:p>
+            <a:r>
+              <a:rPr lang="zh-CN" altLang="en-US" dirty="0"/>
+              <a:t>提供链接</a:t>
+            </a:r>
+          </a:p>
+          <a:p>
+            <a:pPr lvl="1"/>
+            <a:r>
+              <a:rPr lang="en-US" altLang="zh-CN" dirty="0"/>
+              <a:t>API </a:t>
+            </a:r>
+            <a:r>
+              <a:rPr lang="zh-CN" altLang="en-US" dirty="0"/>
+              <a:t>的使用者未必知道，</a:t>
+            </a:r>
+            <a:r>
+              <a:rPr lang="en-US" altLang="zh-CN" dirty="0"/>
+              <a:t>URL </a:t>
+            </a:r>
+            <a:r>
+              <a:rPr lang="zh-CN" altLang="en-US" dirty="0"/>
+              <a:t>是怎么设计的。一个解决方法就是，在回应中，给出相关链接，便于下一步操作。这样的话，用户只要记住一个 </a:t>
+            </a:r>
+            <a:r>
+              <a:rPr lang="en-US" altLang="zh-CN" dirty="0"/>
+              <a:t>URL</a:t>
+            </a:r>
+            <a:r>
+              <a:rPr lang="zh-CN" altLang="en-US" dirty="0"/>
+              <a:t>，就可以发现其他的 </a:t>
+            </a:r>
+            <a:r>
+              <a:rPr lang="en-US" altLang="zh-CN" dirty="0"/>
+              <a:t>URL</a:t>
+            </a:r>
+            <a:r>
+              <a:rPr lang="zh-CN" altLang="en-US" dirty="0"/>
+              <a:t>。这种方法叫做 </a:t>
+            </a:r>
+            <a:r>
+              <a:rPr lang="en-US" altLang="zh-CN" dirty="0"/>
+              <a:t>HATEOAS</a:t>
+            </a:r>
+            <a:r>
+              <a:rPr lang="zh-CN" altLang="en-US" dirty="0" smtClean="0"/>
+              <a:t>。</a:t>
+            </a:r>
+            <a:r>
+              <a:rPr lang="zh-CN" altLang="en-US" dirty="0"/>
+              <a:t/>
+            </a:r>
+            <a:br>
+              <a:rPr lang="zh-CN" altLang="en-US" dirty="0"/>
+            </a:br>
+            <a:endParaRPr lang="en-US" dirty="0"/>
+          </a:p>
+        </p:txBody>
+      </p:sp>
+    </p:spTree>
+    <p:extLst>
+      <p:ext uri="{BB962C8B-B14F-4D97-AF65-F5344CB8AC3E}">
+        <p14:creationId xmlns:p14="http://schemas.microsoft.com/office/powerpoint/2010/main" val="247226592"/>
+      </p:ext>
+    </p:extLst>
+  </p:cSld>
+  <p:clrMapOvr>
+    <a:masterClrMapping/>
+  </p:clrMapOvr>
+</p:sld>
+</file>
+
+<file path=ppt/slides/slide18.xml><?xml version="1.0" encoding="utf-8"?>
+<p:sld xmlns:a="http://schemas.openxmlformats.org/drawingml/2006/main" xmlns:r="http://schemas.openxmlformats.org/officeDocument/2006/relationships" xmlns:p="http://schemas.openxmlformats.org/presentationml/2006/main">
+  <p:cSld>
+    <p:spTree>
+      <p:nvGrpSpPr>
+        <p:cNvPr id="1" name=""/>
+        <p:cNvGrpSpPr/>
+        <p:nvPr/>
+      </p:nvGrpSpPr>
+      <p:grpSpPr>
+        <a:xfrm>
+          <a:off x="0" y="0"/>
+          <a:ext cx="0" cy="0"/>
+          <a:chOff x="0" y="0"/>
+          <a:chExt cx="0" cy="0"/>
+        </a:xfrm>
+      </p:grpSpPr>
+      <p:sp>
+        <p:nvSpPr>
+          <p:cNvPr id="2" name="Title 1"/>
+          <p:cNvSpPr>
+            <a:spLocks noGrp="1"/>
+          </p:cNvSpPr>
+          <p:nvPr>
+            <p:ph type="title"/>
+          </p:nvPr>
+        </p:nvSpPr>
+        <p:spPr/>
+        <p:txBody>
+          <a:bodyPr/>
+          <a:lstStyle/>
+          <a:p>
+            <a:r>
+              <a:rPr lang="en-US" altLang="zh-CN" dirty="0" err="1" smtClean="0"/>
+              <a:t>SpringSecurity</a:t>
+            </a:r>
+            <a:endParaRPr lang="en-US" dirty="0"/>
+          </a:p>
+        </p:txBody>
+      </p:sp>
+      <p:sp>
+        <p:nvSpPr>
+          <p:cNvPr id="3" name="Content Placeholder 2"/>
+          <p:cNvSpPr>
+            <a:spLocks noGrp="1"/>
+          </p:cNvSpPr>
+          <p:nvPr>
+            <p:ph idx="1"/>
+          </p:nvPr>
+        </p:nvSpPr>
+        <p:spPr/>
+        <p:txBody>
+          <a:bodyPr/>
+          <a:lstStyle/>
+          <a:p>
+            <a:endParaRPr lang="en-US" dirty="0"/>
+          </a:p>
+        </p:txBody>
+      </p:sp>
+    </p:spTree>
+    <p:extLst>
+      <p:ext uri="{BB962C8B-B14F-4D97-AF65-F5344CB8AC3E}">
+        <p14:creationId xmlns:p14="http://schemas.microsoft.com/office/powerpoint/2010/main" val="185907071"/>
+      </p:ext>
+    </p:extLst>
+  </p:cSld>
+  <p:clrMapOvr>
+    <a:masterClrMapping/>
+  </p:clrMapOvr>
+</p:sld>
+</file>
+
+<file path=ppt/slides/slide19.xml><?xml version="1.0" encoding="utf-8"?>
+<p:sld xmlns:a="http://schemas.openxmlformats.org/drawingml/2006/main" xmlns:r="http://schemas.openxmlformats.org/officeDocument/2006/relationships" xmlns:p="http://schemas.openxmlformats.org/presentationml/2006/main">
+  <p:cSld>
+    <p:spTree>
+      <p:nvGrpSpPr>
+        <p:cNvPr id="1" name=""/>
+        <p:cNvGrpSpPr/>
+        <p:nvPr/>
+      </p:nvGrpSpPr>
+      <p:grpSpPr>
+        <a:xfrm>
+          <a:off x="0" y="0"/>
+          <a:ext cx="0" cy="0"/>
+          <a:chOff x="0" y="0"/>
+          <a:chExt cx="0" cy="0"/>
+        </a:xfrm>
+      </p:grpSpPr>
+      <p:sp>
+        <p:nvSpPr>
+          <p:cNvPr id="2" name="Title 1"/>
+          <p:cNvSpPr>
+            <a:spLocks noGrp="1"/>
+          </p:cNvSpPr>
+          <p:nvPr>
+            <p:ph type="title"/>
+          </p:nvPr>
+        </p:nvSpPr>
+        <p:spPr/>
+        <p:txBody>
+          <a:bodyPr/>
+          <a:lstStyle/>
+          <a:p>
+            <a:r>
+              <a:rPr lang="zh-CN" altLang="en-US" dirty="0" smtClean="0"/>
+              <a:t>动手实践一个</a:t>
+            </a:r>
+            <a:r>
+              <a:rPr lang="en-US" altLang="zh-CN" dirty="0" err="1" smtClean="0"/>
+              <a:t>SpringSecurity</a:t>
+            </a:r>
+            <a:endParaRPr lang="en-US" dirty="0"/>
+          </a:p>
+        </p:txBody>
+      </p:sp>
+      <p:sp>
+        <p:nvSpPr>
+          <p:cNvPr id="3" name="Content Placeholder 2"/>
+          <p:cNvSpPr>
+            <a:spLocks noGrp="1"/>
+          </p:cNvSpPr>
+          <p:nvPr>
+            <p:ph idx="1"/>
+          </p:nvPr>
+        </p:nvSpPr>
+        <p:spPr/>
+        <p:txBody>
+          <a:bodyPr/>
+          <a:lstStyle/>
+          <a:p>
+            <a:r>
+              <a:rPr lang="en-US" dirty="0">
+                <a:hlinkClick r:id="rId2"/>
+              </a:rPr>
+              <a:t>https://spring.io/guides/gs/securing-web/</a:t>
+            </a:r>
+            <a:endParaRPr lang="en-US" dirty="0"/>
+          </a:p>
+        </p:txBody>
+      </p:sp>
+    </p:spTree>
+    <p:extLst>
+      <p:ext uri="{BB962C8B-B14F-4D97-AF65-F5344CB8AC3E}">
+        <p14:creationId xmlns:p14="http://schemas.microsoft.com/office/powerpoint/2010/main" val="424417117"/>
+      </p:ext>
+    </p:extLst>
+  </p:cSld>
+  <p:clrMapOvr>
+    <a:masterClrMapping/>
+  </p:clrMapOvr>
+</p:sld>
+</file>
+
 <file path=ppt/slides/slide2.xml><?xml version="1.0" encoding="utf-8"?>
 <p:sld xmlns:a="http://schemas.openxmlformats.org/drawingml/2006/main" xmlns:r="http://schemas.openxmlformats.org/officeDocument/2006/relationships" xmlns:p="http://schemas.openxmlformats.org/presentationml/2006/main">
   <p:cSld>
@@ -3663,6 +5398,25 @@
           <a:lstStyle/>
           <a:p>
             <a:r>
+              <a:rPr lang="en-US" dirty="0"/>
+              <a:t>跟 </a:t>
+            </a:r>
+            <a:r>
+              <a:rPr lang="en-US" dirty="0" err="1"/>
+              <a:t>Velocity、FreeMarker</a:t>
+            </a:r>
+            <a:r>
+              <a:rPr lang="en-US" dirty="0"/>
+              <a:t> </a:t>
+            </a:r>
+            <a:r>
+              <a:rPr lang="en-US" dirty="0" smtClean="0"/>
+              <a:t>类似</a:t>
+            </a:r>
+            <a:endParaRPr lang="en-US" altLang="zh-CN" dirty="0" smtClean="0"/>
+          </a:p>
+          <a:p>
+            <a:r>
               <a:rPr lang="zh-CN" altLang="en-US" dirty="0" smtClean="0"/>
               <a:t>是一个</a:t>
             </a:r>
@@ -3697,6 +5451,76 @@
             <a:r>
               <a:rPr lang="zh-CN" altLang="en-US" dirty="0" smtClean="0"/>
               <a:t>层</a:t>
+            </a:r>
+            <a:endParaRPr lang="en-US" altLang="zh-CN" dirty="0" smtClean="0"/>
+          </a:p>
+          <a:p>
+            <a:r>
+              <a:rPr lang="zh-CN" altLang="en-US" dirty="0" smtClean="0"/>
+              <a:t>特点</a:t>
+            </a:r>
+            <a:endParaRPr lang="en-US" altLang="zh-CN" dirty="0" smtClean="0"/>
+          </a:p>
+          <a:p>
+            <a:pPr lvl="1"/>
+            <a:r>
+              <a:rPr lang="en-US" altLang="zh-CN" dirty="0" err="1"/>
+              <a:t>Thymeleaf</a:t>
+            </a:r>
+            <a:r>
+              <a:rPr lang="en-US" altLang="zh-CN" dirty="0"/>
+              <a:t> </a:t>
+            </a:r>
+            <a:r>
+              <a:rPr lang="zh-CN" altLang="en-US" dirty="0"/>
+              <a:t>在有网络和无网络的环境下皆可</a:t>
+            </a:r>
+            <a:r>
+              <a:rPr lang="zh-CN" altLang="en-US" dirty="0" smtClean="0"/>
+              <a:t>运行</a:t>
+            </a:r>
+            <a:endParaRPr lang="en-US" altLang="zh-CN" dirty="0" smtClean="0"/>
+          </a:p>
+          <a:p>
+            <a:pPr lvl="1"/>
+            <a:r>
+              <a:rPr lang="en-US" dirty="0" err="1"/>
+              <a:t>Thymeleaf</a:t>
+            </a:r>
+            <a:r>
+              <a:rPr lang="en-US" dirty="0"/>
+              <a:t> </a:t>
+            </a:r>
+            <a:r>
+              <a:rPr lang="en-US" dirty="0" smtClean="0"/>
+              <a:t>开箱即用的特性</a:t>
+            </a:r>
+          </a:p>
+          <a:p>
+            <a:pPr lvl="1"/>
+            <a:r>
+              <a:rPr lang="en-US" dirty="0" err="1"/>
+              <a:t>Thymeleaf</a:t>
+            </a:r>
+            <a:r>
+              <a:rPr lang="en-US" dirty="0"/>
+              <a:t> 提供 Spring 标准方言和一个与 </a:t>
+            </a:r>
+            <a:r>
+              <a:rPr lang="en-US" dirty="0" err="1"/>
+              <a:t>SpringMVC</a:t>
+            </a:r>
+            <a:r>
+              <a:rPr lang="en-US" dirty="0"/>
+              <a:t> </a:t>
+            </a:r>
+            <a:r>
+              <a:rPr lang="en-US" dirty="0" smtClean="0"/>
+              <a:t>完美集成的可选模块</a:t>
+            </a:r>
+            <a:r>
+              <a:rPr lang="zh-CN" altLang="en-US" dirty="0"/>
+              <a:t>，可以快速的实现表单绑定、属性编辑器、国际化等功能。</a:t>
             </a:r>
             <a:endParaRPr lang="en-US" altLang="zh-CN" dirty="0" smtClean="0"/>
           </a:p>
@@ -3709,6 +5533,195 @@
     <p:extLst>
       <p:ext uri="{BB962C8B-B14F-4D97-AF65-F5344CB8AC3E}">
         <p14:creationId xmlns:p14="http://schemas.microsoft.com/office/powerpoint/2010/main" val="619511352"/>
+      </p:ext>
+    </p:extLst>
+  </p:cSld>
+  <p:clrMapOvr>
+    <a:masterClrMapping/>
+  </p:clrMapOvr>
+</p:sld>
+</file>
+
+<file path=ppt/slides/slide20.xml><?xml version="1.0" encoding="utf-8"?>
+<p:sld xmlns:a="http://schemas.openxmlformats.org/drawingml/2006/main" xmlns:r="http://schemas.openxmlformats.org/officeDocument/2006/relationships" xmlns:p="http://schemas.openxmlformats.org/presentationml/2006/main">
+  <p:cSld>
+    <p:spTree>
+      <p:nvGrpSpPr>
+        <p:cNvPr id="1" name=""/>
+        <p:cNvGrpSpPr/>
+        <p:nvPr/>
+      </p:nvGrpSpPr>
+      <p:grpSpPr>
+        <a:xfrm>
+          <a:off x="0" y="0"/>
+          <a:ext cx="0" cy="0"/>
+          <a:chOff x="0" y="0"/>
+          <a:chExt cx="0" cy="0"/>
+        </a:xfrm>
+      </p:grpSpPr>
+      <p:sp>
+        <p:nvSpPr>
+          <p:cNvPr id="2" name="Title 1"/>
+          <p:cNvSpPr>
+            <a:spLocks noGrp="1"/>
+          </p:cNvSpPr>
+          <p:nvPr>
+            <p:ph type="title"/>
+          </p:nvPr>
+        </p:nvSpPr>
+        <p:spPr/>
+        <p:txBody>
+          <a:bodyPr/>
+          <a:lstStyle/>
+          <a:p>
+            <a:r>
+              <a:rPr lang="en-US" altLang="zh-CN" dirty="0" err="1" smtClean="0"/>
+              <a:t>SpringBoot</a:t>
+            </a:r>
+            <a:r>
+              <a:rPr lang="zh-CN" altLang="en-US" dirty="0" smtClean="0"/>
+              <a:t>集成</a:t>
+            </a:r>
+            <a:r>
+              <a:rPr lang="en-US" altLang="zh-CN" dirty="0" smtClean="0"/>
+              <a:t>Cache</a:t>
+            </a:r>
+            <a:endParaRPr lang="en-US" dirty="0"/>
+          </a:p>
+        </p:txBody>
+      </p:sp>
+      <p:sp>
+        <p:nvSpPr>
+          <p:cNvPr id="3" name="Content Placeholder 2"/>
+          <p:cNvSpPr>
+            <a:spLocks noGrp="1"/>
+          </p:cNvSpPr>
+          <p:nvPr>
+            <p:ph idx="1"/>
+          </p:nvPr>
+        </p:nvSpPr>
+        <p:spPr/>
+        <p:txBody>
+          <a:bodyPr/>
+          <a:lstStyle/>
+          <a:p>
+            <a:r>
+              <a:rPr lang="en-US" altLang="zh-CN" dirty="0" smtClean="0"/>
+              <a:t>Guava</a:t>
+            </a:r>
+          </a:p>
+          <a:p>
+            <a:r>
+              <a:rPr lang="en-US" altLang="zh-CN" dirty="0" err="1" smtClean="0"/>
+              <a:t>CacheManager</a:t>
+            </a:r>
+            <a:endParaRPr lang="en-US" altLang="zh-CN" dirty="0" smtClean="0"/>
+          </a:p>
+          <a:p>
+            <a:r>
+              <a:rPr lang="en-US" altLang="zh-CN" dirty="0" smtClean="0"/>
+              <a:t>Guava</a:t>
+            </a:r>
+            <a:r>
+              <a:rPr lang="zh-CN" altLang="en-US" dirty="0" smtClean="0"/>
+              <a:t>的</a:t>
+            </a:r>
+            <a:r>
+              <a:rPr lang="en-US" altLang="zh-CN" dirty="0" smtClean="0"/>
+              <a:t>load</a:t>
+            </a:r>
+            <a:r>
+              <a:rPr lang="zh-CN" altLang="en-US" dirty="0" smtClean="0"/>
+              <a:t>和</a:t>
+            </a:r>
+            <a:r>
+              <a:rPr lang="en-US" altLang="zh-CN" dirty="0" smtClean="0"/>
+              <a:t>reload</a:t>
+            </a:r>
+            <a:endParaRPr lang="en-US" dirty="0"/>
+          </a:p>
+        </p:txBody>
+      </p:sp>
+    </p:spTree>
+    <p:extLst>
+      <p:ext uri="{BB962C8B-B14F-4D97-AF65-F5344CB8AC3E}">
+        <p14:creationId xmlns:p14="http://schemas.microsoft.com/office/powerpoint/2010/main" val="1425189504"/>
+      </p:ext>
+    </p:extLst>
+  </p:cSld>
+  <p:clrMapOvr>
+    <a:masterClrMapping/>
+  </p:clrMapOvr>
+</p:sld>
+</file>
+
+<file path=ppt/slides/slide21.xml><?xml version="1.0" encoding="utf-8"?>
+<p:sld xmlns:a="http://schemas.openxmlformats.org/drawingml/2006/main" xmlns:r="http://schemas.openxmlformats.org/officeDocument/2006/relationships" xmlns:p="http://schemas.openxmlformats.org/presentationml/2006/main">
+  <p:cSld>
+    <p:spTree>
+      <p:nvGrpSpPr>
+        <p:cNvPr id="1" name=""/>
+        <p:cNvGrpSpPr/>
+        <p:nvPr/>
+      </p:nvGrpSpPr>
+      <p:grpSpPr>
+        <a:xfrm>
+          <a:off x="0" y="0"/>
+          <a:ext cx="0" cy="0"/>
+          <a:chOff x="0" y="0"/>
+          <a:chExt cx="0" cy="0"/>
+        </a:xfrm>
+      </p:grpSpPr>
+      <p:sp>
+        <p:nvSpPr>
+          <p:cNvPr id="2" name="Title 1"/>
+          <p:cNvSpPr>
+            <a:spLocks noGrp="1"/>
+          </p:cNvSpPr>
+          <p:nvPr>
+            <p:ph type="title"/>
+          </p:nvPr>
+        </p:nvSpPr>
+        <p:spPr/>
+        <p:txBody>
+          <a:bodyPr/>
+          <a:lstStyle/>
+          <a:p>
+            <a:r>
+              <a:rPr lang="en-US" altLang="zh-CN" dirty="0" err="1" smtClean="0"/>
+              <a:t>Springboot</a:t>
+            </a:r>
+            <a:r>
+              <a:rPr lang="zh-CN" altLang="en-US" dirty="0" smtClean="0"/>
+              <a:t>定时任务</a:t>
+            </a:r>
+            <a:endParaRPr lang="en-US" dirty="0"/>
+          </a:p>
+        </p:txBody>
+      </p:sp>
+      <p:sp>
+        <p:nvSpPr>
+          <p:cNvPr id="3" name="Content Placeholder 2"/>
+          <p:cNvSpPr>
+            <a:spLocks noGrp="1"/>
+          </p:cNvSpPr>
+          <p:nvPr>
+            <p:ph idx="1"/>
+          </p:nvPr>
+        </p:nvSpPr>
+        <p:spPr/>
+        <p:txBody>
+          <a:bodyPr/>
+          <a:lstStyle/>
+          <a:p>
+            <a:endParaRPr lang="en-US"/>
+          </a:p>
+        </p:txBody>
+      </p:sp>
+    </p:spTree>
+    <p:extLst>
+      <p:ext uri="{BB962C8B-B14F-4D97-AF65-F5344CB8AC3E}">
+        <p14:creationId xmlns:p14="http://schemas.microsoft.com/office/powerpoint/2010/main" val="133459108"/>
       </p:ext>
     </p:extLst>
   </p:cSld>
@@ -3751,129 +5764,77 @@
           <a:lstStyle/>
           <a:p>
             <a:r>
+              <a:rPr lang="en-US" altLang="zh-CN" dirty="0" err="1" smtClean="0"/>
+              <a:t>Thymeleaf</a:t>
+            </a:r>
+            <a:r>
+              <a:rPr lang="zh-CN" altLang="en-US" b="1" dirty="0"/>
+              <a:t>标准表达式</a:t>
+            </a:r>
+            <a:r>
+              <a:rPr lang="zh-CN" altLang="en-US" b="1" dirty="0" smtClean="0"/>
+              <a:t>语法</a:t>
+            </a:r>
+            <a:endParaRPr lang="en-US" dirty="0"/>
+          </a:p>
+        </p:txBody>
+      </p:sp>
+      <p:sp>
+        <p:nvSpPr>
+          <p:cNvPr id="3" name="Content Placeholder 2"/>
+          <p:cNvSpPr>
+            <a:spLocks noGrp="1"/>
+          </p:cNvSpPr>
+          <p:nvPr>
+            <p:ph idx="1"/>
+          </p:nvPr>
+        </p:nvSpPr>
+        <p:spPr/>
+        <p:txBody>
+          <a:bodyPr/>
+          <a:lstStyle/>
+          <a:p>
+            <a:r>
               <a:rPr lang="en-US" altLang="zh-CN" dirty="0" smtClean="0"/>
-              <a:t>REST</a:t>
-            </a:r>
-            <a:endParaRPr lang="en-US" dirty="0"/>
-          </a:p>
-        </p:txBody>
-      </p:sp>
-      <p:sp>
-        <p:nvSpPr>
-          <p:cNvPr id="3" name="Content Placeholder 2"/>
-          <p:cNvSpPr>
-            <a:spLocks noGrp="1"/>
-          </p:cNvSpPr>
-          <p:nvPr>
-            <p:ph idx="1"/>
-          </p:nvPr>
-        </p:nvSpPr>
-        <p:spPr/>
-        <p:txBody>
-          <a:bodyPr/>
-          <a:lstStyle/>
-          <a:p>
-            <a:r>
-              <a:rPr lang="zh-CN" altLang="en-US" dirty="0"/>
-              <a:t>表现层状态转换（英语：</a:t>
-            </a:r>
+              <a:t>1.</a:t>
+            </a:r>
+            <a:r>
+              <a:rPr lang="zh-CN" altLang="en-US" dirty="0" smtClean="0"/>
+              <a:t>变量</a:t>
+            </a:r>
+            <a:r>
+              <a:rPr lang="zh-CN" altLang="en-US" dirty="0"/>
+              <a:t>表达式</a:t>
+            </a:r>
+          </a:p>
+          <a:p>
             <a:r>
               <a:rPr lang="en-US" altLang="zh-CN" dirty="0"/>
-              <a:t>Representational State Transfer</a:t>
-            </a:r>
-            <a:r>
-              <a:rPr lang="zh-CN" altLang="en-US" dirty="0"/>
-              <a:t>，缩写：</a:t>
-            </a:r>
+              <a:t>2.</a:t>
+            </a:r>
+            <a:r>
+              <a:rPr lang="zh-CN" altLang="en-US" dirty="0"/>
+              <a:t>选择或星号表达式</a:t>
+            </a:r>
+          </a:p>
+          <a:p>
             <a:r>
               <a:rPr lang="en-US" altLang="zh-CN" dirty="0"/>
-              <a:t>REST</a:t>
-            </a:r>
-            <a:r>
-              <a:rPr lang="zh-CN" altLang="en-US" dirty="0"/>
-              <a:t>）是</a:t>
-            </a:r>
+              <a:t>3.</a:t>
+            </a:r>
+            <a:r>
+              <a:rPr lang="zh-CN" altLang="en-US" dirty="0"/>
+              <a:t>文字国际化表达式</a:t>
+            </a:r>
+          </a:p>
+          <a:p>
             <a:r>
               <a:rPr lang="en-US" altLang="zh-CN" dirty="0"/>
-              <a:t>Roy Thomas Fielding</a:t>
-            </a:r>
-            <a:r>
-              <a:rPr lang="zh-CN" altLang="en-US" dirty="0"/>
-              <a:t>博士于</a:t>
-            </a:r>
-            <a:r>
-              <a:rPr lang="en-US" altLang="zh-CN" dirty="0"/>
-              <a:t>2000</a:t>
-            </a:r>
-            <a:r>
-              <a:rPr lang="zh-CN" altLang="en-US" dirty="0"/>
-              <a:t>年在他的博士</a:t>
-            </a:r>
-            <a:r>
-              <a:rPr lang="zh-CN" altLang="en-US" dirty="0" smtClean="0"/>
-              <a:t>论文中</a:t>
-            </a:r>
-            <a:r>
-              <a:rPr lang="zh-CN" altLang="en-US" dirty="0"/>
-              <a:t>提出来的一种万维网软件架构风格，目的是便于不同软件</a:t>
-            </a:r>
-            <a:r>
-              <a:rPr lang="en-US" altLang="zh-CN" dirty="0"/>
-              <a:t>/</a:t>
-            </a:r>
-            <a:r>
-              <a:rPr lang="zh-CN" altLang="en-US" dirty="0"/>
-              <a:t>程序在网络（例如互联网）中互相传递信息</a:t>
-            </a:r>
-            <a:r>
-              <a:rPr lang="zh-CN" altLang="en-US" dirty="0" smtClean="0"/>
-              <a:t>。</a:t>
-            </a:r>
-            <a:endParaRPr lang="en-US" altLang="zh-CN" dirty="0" smtClean="0"/>
-          </a:p>
-          <a:p>
-            <a:r>
-              <a:rPr lang="en-US" altLang="zh-CN" dirty="0"/>
-              <a:t>REST</a:t>
-            </a:r>
-            <a:r>
-              <a:rPr lang="zh-CN" altLang="en-US" dirty="0"/>
-              <a:t>是设计风格而</a:t>
-            </a:r>
-            <a:r>
-              <a:rPr lang="zh-CN" altLang="en-US" b="1" dirty="0"/>
-              <a:t>不是</a:t>
-            </a:r>
-            <a:r>
-              <a:rPr lang="zh-CN" altLang="en-US" dirty="0" smtClean="0"/>
-              <a:t>标准</a:t>
-            </a:r>
-            <a:endParaRPr lang="en-US" altLang="zh-CN" dirty="0" smtClean="0"/>
-          </a:p>
-          <a:p>
-            <a:r>
-              <a:rPr lang="en-US" dirty="0" err="1"/>
-              <a:t>匹配REST设计风格的Web</a:t>
-            </a:r>
-            <a:r>
-              <a:rPr lang="en-US" dirty="0"/>
-              <a:t> </a:t>
-            </a:r>
-            <a:r>
-              <a:rPr lang="en-US" dirty="0" err="1"/>
-              <a:t>API称为</a:t>
-            </a:r>
-            <a:r>
-              <a:rPr lang="en-US" b="1" dirty="0" err="1"/>
-              <a:t>RESTful</a:t>
-            </a:r>
-            <a:r>
-              <a:rPr lang="en-US" b="1" dirty="0"/>
-              <a:t> </a:t>
-            </a:r>
-            <a:r>
-              <a:rPr lang="en-US" b="1" dirty="0" smtClean="0"/>
-              <a:t>API</a:t>
+              <a:t>4.URL </a:t>
+            </a:r>
+            <a:r>
+              <a:rPr lang="zh-CN" altLang="en-US" dirty="0"/>
+              <a:t>表达式</a:t>
             </a:r>
           </a:p>
           <a:p>
@@ -3884,7 +5845,7 @@
     </p:spTree>
     <p:extLst>
       <p:ext uri="{BB962C8B-B14F-4D97-AF65-F5344CB8AC3E}">
-        <p14:creationId xmlns:p14="http://schemas.microsoft.com/office/powerpoint/2010/main" val="685987695"/>
+        <p14:creationId xmlns:p14="http://schemas.microsoft.com/office/powerpoint/2010/main" val="241874327"/>
       </p:ext>
     </p:extLst>
   </p:cSld>
@@ -3927,102 +5888,103 @@
           <a:lstStyle/>
           <a:p>
             <a:r>
-              <a:rPr lang="en-US" altLang="zh-CN" dirty="0" smtClean="0"/>
-              <a:t>REST</a:t>
+              <a:rPr lang="zh-CN" altLang="en-US" b="1" dirty="0"/>
+              <a:t>变量表达式</a:t>
+            </a:r>
+          </a:p>
+        </p:txBody>
+      </p:sp>
+      <p:sp>
+        <p:nvSpPr>
+          <p:cNvPr id="3" name="Content Placeholder 2"/>
+          <p:cNvSpPr>
+            <a:spLocks noGrp="1"/>
+          </p:cNvSpPr>
+          <p:nvPr>
+            <p:ph idx="1"/>
+          </p:nvPr>
+        </p:nvSpPr>
+        <p:spPr/>
+        <p:txBody>
+          <a:bodyPr/>
+          <a:lstStyle/>
+          <a:p>
+            <a:r>
+              <a:rPr lang="en-US" dirty="0"/>
+              <a:t>变量表达式即 OGNL 表达式或 Spring EL 表达式(在 Spring 术语中也叫 model attributes</a:t>
+            </a:r>
+            <a:r>
+              <a:rPr lang="en-US" dirty="0" smtClean="0"/>
+              <a:t>)。</a:t>
+            </a:r>
+          </a:p>
+          <a:p>
+            <a:r>
+              <a:rPr lang="en-US" dirty="0"/>
+              <a:t>${</a:t>
+            </a:r>
+            <a:r>
+              <a:rPr lang="en-US" dirty="0" err="1"/>
+              <a:t>session.user.name</a:t>
+            </a:r>
+            <a:r>
+              <a:rPr lang="en-US" dirty="0" smtClean="0"/>
+              <a:t>}</a:t>
+            </a:r>
+          </a:p>
+          <a:p>
+            <a:r>
+              <a:rPr lang="zh-CN" altLang="en-US" dirty="0"/>
+              <a:t>它们将以</a:t>
+            </a:r>
+            <a:r>
+              <a:rPr lang="en-US" altLang="zh-CN" dirty="0"/>
+              <a:t>HTML</a:t>
+            </a:r>
+            <a:r>
+              <a:rPr lang="zh-CN" altLang="en-US" dirty="0"/>
+              <a:t>标签的一个属性来表示</a:t>
             </a:r>
             <a:r>
               <a:rPr lang="zh-CN" altLang="en-US" dirty="0" smtClean="0"/>
-              <a:t>的优点</a:t>
-            </a:r>
+              <a:t>：</a:t>
+            </a:r>
+            <a:endParaRPr lang="en-US" altLang="zh-CN" dirty="0" smtClean="0"/>
+          </a:p>
+          <a:p>
+            <a:pPr lvl="1"/>
             <a:endParaRPr lang="en-US" dirty="0"/>
           </a:p>
         </p:txBody>
       </p:sp>
-      <p:sp>
-        <p:nvSpPr>
-          <p:cNvPr id="3" name="Content Placeholder 2"/>
-          <p:cNvSpPr>
-            <a:spLocks noGrp="1"/>
-          </p:cNvSpPr>
-          <p:nvPr>
-            <p:ph idx="1"/>
-          </p:nvPr>
-        </p:nvSpPr>
-        <p:spPr/>
-        <p:txBody>
-          <a:bodyPr/>
-          <a:lstStyle/>
-          <a:p>
-            <a:r>
-              <a:rPr lang="zh-CN" altLang="en-US" dirty="0"/>
-              <a:t>可更高效利用缓存来提高响应速度</a:t>
-            </a:r>
-          </a:p>
-          <a:p>
-            <a:r>
-              <a:rPr lang="zh-CN" altLang="en-US" dirty="0"/>
-              <a:t>通讯本身的无状态性可以让不同的服务器的处理一系列请求中的不同请求，提高服务器的扩展性</a:t>
-            </a:r>
-          </a:p>
-          <a:p>
-            <a:r>
-              <a:rPr lang="zh-CN" altLang="en-US" dirty="0"/>
-              <a:t>浏览器即可作为客户端，简化软件需求</a:t>
-            </a:r>
-          </a:p>
-          <a:p>
-            <a:r>
-              <a:rPr lang="zh-CN" altLang="en-US" dirty="0"/>
-              <a:t>相对于其他叠加在</a:t>
-            </a:r>
-            <a:r>
-              <a:rPr lang="en-US" altLang="zh-CN" dirty="0">
-                <a:hlinkClick r:id="rId2" tooltip="超文本传输协议"/>
-              </a:rPr>
-              <a:t>HTTP</a:t>
-            </a:r>
-            <a:r>
-              <a:rPr lang="zh-CN" altLang="en-US" dirty="0">
-                <a:hlinkClick r:id="rId2" tooltip="超文本传输协议"/>
-              </a:rPr>
-              <a:t>协议</a:t>
-            </a:r>
-            <a:r>
-              <a:rPr lang="zh-CN" altLang="en-US" dirty="0"/>
-              <a:t>之上的机制，</a:t>
-            </a:r>
-            <a:r>
-              <a:rPr lang="en-US" altLang="zh-CN" dirty="0"/>
-              <a:t>REST</a:t>
-            </a:r>
-            <a:r>
-              <a:rPr lang="zh-CN" altLang="en-US" dirty="0"/>
-              <a:t>的软件依赖性更小</a:t>
-            </a:r>
-          </a:p>
-          <a:p>
-            <a:r>
-              <a:rPr lang="zh-CN" altLang="en-US" dirty="0"/>
-              <a:t>不需要额外的资源发现机制</a:t>
-            </a:r>
-          </a:p>
-          <a:p>
-            <a:r>
-              <a:rPr lang="zh-CN" altLang="en-US" dirty="0"/>
-              <a:t>在软件技术演进中的长期的兼容性更</a:t>
-            </a:r>
-            <a:r>
-              <a:rPr lang="zh-CN" altLang="en-US" dirty="0" smtClean="0"/>
-              <a:t>好</a:t>
-            </a:r>
-            <a:endParaRPr lang="zh-CN" altLang="en-US" dirty="0"/>
-          </a:p>
-        </p:txBody>
-      </p:sp>
+      <p:pic>
+        <p:nvPicPr>
+          <p:cNvPr id="4" name="Picture 3"/>
+          <p:cNvPicPr>
+            <a:picLocks noChangeAspect="1"/>
+          </p:cNvPicPr>
+          <p:nvPr/>
+        </p:nvPicPr>
+        <p:blipFill>
+          <a:blip r:embed="rId2"/>
+          <a:stretch>
+            <a:fillRect/>
+          </a:stretch>
+        </p:blipFill>
+        <p:spPr>
+          <a:xfrm>
+            <a:off x="1090862" y="3676650"/>
+            <a:ext cx="9699373" cy="2230856"/>
+          </a:xfrm>
+          <a:prstGeom prst="rect">
+            <a:avLst/>
+          </a:prstGeom>
+        </p:spPr>
+      </p:pic>
     </p:spTree>
     <p:extLst>
       <p:ext uri="{BB962C8B-B14F-4D97-AF65-F5344CB8AC3E}">
-        <p14:creationId xmlns:p14="http://schemas.microsoft.com/office/powerpoint/2010/main" val="660736264"/>
+        <p14:creationId xmlns:p14="http://schemas.microsoft.com/office/powerpoint/2010/main" val="968462300"/>
       </p:ext>
     </p:extLst>
   </p:cSld>
@@ -4065,219 +6027,120 @@
           <a:lstStyle/>
           <a:p>
             <a:r>
-              <a:rPr lang="en-US" altLang="zh-CN" dirty="0" smtClean="0"/>
-              <a:t>REST</a:t>
+              <a:rPr lang="zh-CN" altLang="en-US" b="1" dirty="0"/>
+              <a:t>选择</a:t>
+            </a:r>
+            <a:r>
+              <a:rPr lang="en-US" altLang="zh-CN" b="1" dirty="0"/>
+              <a:t>(</a:t>
+            </a:r>
+            <a:r>
+              <a:rPr lang="zh-CN" altLang="en-US" b="1" dirty="0"/>
+              <a:t>星号</a:t>
+            </a:r>
+            <a:r>
+              <a:rPr lang="en-US" altLang="zh-CN" b="1" dirty="0"/>
+              <a:t>)</a:t>
+            </a:r>
+            <a:r>
+              <a:rPr lang="zh-CN" altLang="en-US" b="1" dirty="0" smtClean="0"/>
+              <a:t>表达式</a:t>
+            </a:r>
+            <a:endParaRPr lang="en-US" dirty="0"/>
+          </a:p>
+        </p:txBody>
+      </p:sp>
+      <p:sp>
+        <p:nvSpPr>
+          <p:cNvPr id="3" name="Content Placeholder 2"/>
+          <p:cNvSpPr>
+            <a:spLocks noGrp="1"/>
+          </p:cNvSpPr>
+          <p:nvPr>
+            <p:ph idx="1"/>
+          </p:nvPr>
+        </p:nvSpPr>
+        <p:spPr/>
+        <p:txBody>
+          <a:bodyPr/>
+          <a:lstStyle/>
+          <a:p>
+            <a:r>
+              <a:rPr lang="zh-CN" altLang="en-US" dirty="0"/>
+              <a:t>选择表达式很像变量表达式，不过它们用一个预先选择的对象来代替上下文变量容器</a:t>
+            </a:r>
+            <a:r>
+              <a:rPr lang="en-US" altLang="zh-CN" dirty="0"/>
+              <a:t>(map)</a:t>
+            </a:r>
+            <a:r>
+              <a:rPr lang="zh-CN" altLang="en-US" dirty="0"/>
+              <a:t>来</a:t>
             </a:r>
             <a:r>
               <a:rPr lang="zh-CN" altLang="en-US" dirty="0" smtClean="0"/>
-              <a:t>的</a:t>
-            </a:r>
-            <a:r>
-              <a:rPr lang="en-US" altLang="zh-CN" dirty="0" smtClean="0"/>
-              <a:t>URL</a:t>
-            </a:r>
-            <a:r>
-              <a:rPr lang="zh-CN" altLang="en-US" dirty="0" smtClean="0"/>
-              <a:t>设计</a:t>
-            </a:r>
-            <a:endParaRPr lang="en-US" dirty="0"/>
-          </a:p>
-        </p:txBody>
-      </p:sp>
-      <p:sp>
-        <p:nvSpPr>
-          <p:cNvPr id="3" name="Content Placeholder 2"/>
-          <p:cNvSpPr>
-            <a:spLocks noGrp="1"/>
-          </p:cNvSpPr>
-          <p:nvPr>
-            <p:ph idx="1"/>
-          </p:nvPr>
-        </p:nvSpPr>
-        <p:spPr/>
-        <p:txBody>
-          <a:bodyPr/>
-          <a:lstStyle/>
-          <a:p>
-            <a:r>
-              <a:rPr lang="zh-CN" altLang="en-US" dirty="0"/>
-              <a:t>动词 </a:t>
-            </a:r>
-            <a:r>
-              <a:rPr lang="en-US" altLang="zh-CN" dirty="0"/>
-              <a:t>+ </a:t>
-            </a:r>
-            <a:r>
-              <a:rPr lang="zh-CN" altLang="en-US" dirty="0"/>
-              <a:t>宾语</a:t>
-            </a:r>
-          </a:p>
-          <a:p>
-            <a:pPr lvl="1"/>
-            <a:r>
-              <a:rPr lang="en-US" altLang="zh-CN" dirty="0"/>
-              <a:t>RESTful </a:t>
-            </a:r>
-            <a:r>
-              <a:rPr lang="zh-CN" altLang="en-US" dirty="0"/>
-              <a:t>的核心思想就是，客户端发出的数据操作指令都是</a:t>
-            </a:r>
-            <a:r>
-              <a:rPr lang="en-US" altLang="zh-CN" dirty="0"/>
-              <a:t>"</a:t>
-            </a:r>
-            <a:r>
-              <a:rPr lang="zh-CN" altLang="en-US" dirty="0"/>
-              <a:t>动词 </a:t>
-            </a:r>
-            <a:r>
-              <a:rPr lang="en-US" altLang="zh-CN" dirty="0"/>
-              <a:t>+ </a:t>
-            </a:r>
-            <a:r>
-              <a:rPr lang="zh-CN" altLang="en-US" dirty="0"/>
-              <a:t>宾语</a:t>
-            </a:r>
-            <a:r>
-              <a:rPr lang="en-US" altLang="zh-CN" dirty="0"/>
-              <a:t>"</a:t>
-            </a:r>
-            <a:r>
-              <a:rPr lang="zh-CN" altLang="en-US" dirty="0"/>
-              <a:t>的结构</a:t>
-            </a:r>
-            <a:r>
-              <a:rPr lang="zh-CN" altLang="en-US" dirty="0" smtClean="0"/>
-              <a:t>。比如</a:t>
-            </a:r>
-            <a:r>
-              <a:rPr lang="zh-CN" altLang="en-US" dirty="0"/>
-              <a:t>，</a:t>
-            </a:r>
-            <a:r>
-              <a:rPr lang="en-US" altLang="zh-CN" dirty="0"/>
-              <a:t>GET /articles</a:t>
-            </a:r>
-            <a:r>
-              <a:rPr lang="zh-CN" altLang="en-US" dirty="0"/>
-              <a:t>这个命令，</a:t>
-            </a:r>
-            <a:r>
-              <a:rPr lang="en-US" altLang="zh-CN" dirty="0"/>
-              <a:t>GET</a:t>
-            </a:r>
-            <a:r>
-              <a:rPr lang="zh-CN" altLang="en-US" dirty="0"/>
-              <a:t>是动词，</a:t>
-            </a:r>
-            <a:r>
-              <a:rPr lang="en-US" altLang="zh-CN" dirty="0"/>
-              <a:t>/articles</a:t>
-            </a:r>
-            <a:r>
-              <a:rPr lang="zh-CN" altLang="en-US" dirty="0"/>
-              <a:t>是宾语</a:t>
-            </a:r>
-            <a:r>
-              <a:rPr lang="zh-CN" altLang="en-US" dirty="0" smtClean="0"/>
-              <a:t>。</a:t>
+              <a:t>执行</a:t>
             </a:r>
             <a:endParaRPr lang="en-US" altLang="zh-CN" dirty="0" smtClean="0"/>
           </a:p>
           <a:p>
-            <a:pPr lvl="1"/>
-            <a:r>
-              <a:rPr lang="en-US" altLang="zh-CN" dirty="0" smtClean="0"/>
-              <a:t>HTTP</a:t>
-            </a:r>
-            <a:r>
-              <a:rPr lang="zh-CN" altLang="en-US" dirty="0" smtClean="0"/>
-              <a:t>的</a:t>
-            </a:r>
-            <a:r>
-              <a:rPr lang="en-US" altLang="zh-CN" dirty="0" smtClean="0"/>
-              <a:t>5</a:t>
-            </a:r>
-            <a:r>
-              <a:rPr lang="zh-CN" altLang="en-US" dirty="0" smtClean="0"/>
-              <a:t>种动作</a:t>
-            </a:r>
-            <a:endParaRPr lang="en-US" altLang="zh-CN" dirty="0" smtClean="0"/>
-          </a:p>
-          <a:p>
-            <a:pPr lvl="2"/>
+            <a:r>
+              <a:rPr lang="en-US" dirty="0"/>
+              <a:t>*{</a:t>
+            </a:r>
             <a:r>
               <a:rPr lang="en-US" dirty="0" err="1"/>
-              <a:t>GET：读取（</a:t>
-            </a:r>
-            <a:r>
-              <a:rPr lang="en-US" dirty="0" err="1" smtClean="0"/>
-              <a:t>Read</a:t>
-            </a:r>
+              <a:t>customer.name</a:t>
+            </a:r>
+            <a:r>
+              <a:rPr lang="en-US" dirty="0" smtClean="0"/>
+              <a:t>}</a:t>
+            </a:r>
+          </a:p>
+          <a:p>
             <a:r>
               <a:rPr lang="en-US" dirty="0"/>
-              <a:t>）</a:t>
-            </a:r>
-          </a:p>
-          <a:p>
-            <a:pPr lvl="2"/>
+              <a:t>被指定的 object 由 </a:t>
+            </a:r>
             <a:r>
               <a:rPr lang="en-US" dirty="0" err="1"/>
-              <a:t>POST：新建</a:t>
-            </a:r>
-            <a:r>
-              <a:rPr lang="en-US" dirty="0" err="1" smtClean="0"/>
-              <a:t>（Create</a:t>
-            </a:r>
-            <a:r>
-              <a:rPr lang="en-US" dirty="0" smtClean="0"/>
-              <a:t>）</a:t>
-            </a:r>
-            <a:endParaRPr lang="en-US" dirty="0"/>
-          </a:p>
-          <a:p>
-            <a:pPr lvl="2"/>
-            <a:r>
-              <a:rPr lang="en-US" dirty="0" err="1"/>
-              <a:t>PUT：更新（Update</a:t>
+              <a:t>th:object</a:t>
             </a:r>
             <a:r>
               <a:rPr lang="en-US" dirty="0"/>
-              <a:t>）</a:t>
-            </a:r>
-          </a:p>
-          <a:p>
-            <a:pPr lvl="2"/>
-            <a:r>
-              <a:rPr lang="en-US" dirty="0" err="1"/>
-              <a:t>PATCH：更新（Update</a:t>
-            </a:r>
-            <a:r>
-              <a:rPr lang="en-US" dirty="0"/>
-              <a:t>），通常是部分更新</a:t>
-            </a:r>
-          </a:p>
-          <a:p>
-            <a:pPr lvl="2"/>
-            <a:r>
-              <a:rPr lang="en-US" dirty="0" err="1"/>
-              <a:t>DELETE：删除（Delete</a:t>
-            </a:r>
-            <a:r>
-              <a:rPr lang="en-US" dirty="0"/>
-              <a:t>）</a:t>
-            </a:r>
-          </a:p>
-          <a:p>
-            <a:pPr lvl="2"/>
-            <a:endParaRPr lang="en-US" dirty="0"/>
-          </a:p>
-        </p:txBody>
-      </p:sp>
+              <a:t> 属性定义：</a:t>
+            </a:r>
+          </a:p>
+        </p:txBody>
+      </p:sp>
+      <p:pic>
+        <p:nvPicPr>
+          <p:cNvPr id="4" name="Picture 3"/>
+          <p:cNvPicPr>
+            <a:picLocks noChangeAspect="1"/>
+          </p:cNvPicPr>
+          <p:nvPr/>
+        </p:nvPicPr>
+        <p:blipFill>
+          <a:blip r:embed="rId2"/>
+          <a:stretch>
+            <a:fillRect/>
+          </a:stretch>
+        </p:blipFill>
+        <p:spPr>
+          <a:xfrm>
+            <a:off x="1217195" y="3797634"/>
+            <a:ext cx="8348340" cy="2514266"/>
+          </a:xfrm>
+          <a:prstGeom prst="rect">
+            <a:avLst/>
+          </a:prstGeom>
+        </p:spPr>
+      </p:pic>
     </p:spTree>
     <p:extLst>
       <p:ext uri="{BB962C8B-B14F-4D97-AF65-F5344CB8AC3E}">
-        <p14:creationId xmlns:p14="http://schemas.microsoft.com/office/powerpoint/2010/main" val="611340816"/>
+        <p14:creationId xmlns:p14="http://schemas.microsoft.com/office/powerpoint/2010/main" val="1477564551"/>
       </p:ext>
     </p:extLst>
   </p:cSld>
@@ -4320,151 +6183,128 @@
           <a:lstStyle/>
           <a:p>
             <a:r>
+              <a:rPr lang="zh-CN" altLang="en-US" b="1" dirty="0"/>
+              <a:t>文字国际化</a:t>
+            </a:r>
+            <a:r>
+              <a:rPr lang="zh-CN" altLang="en-US" b="1" dirty="0" smtClean="0"/>
+              <a:t>表达式</a:t>
+            </a:r>
+            <a:endParaRPr lang="en-US" dirty="0"/>
+          </a:p>
+        </p:txBody>
+      </p:sp>
+      <p:sp>
+        <p:nvSpPr>
+          <p:cNvPr id="3" name="Content Placeholder 2"/>
+          <p:cNvSpPr>
+            <a:spLocks noGrp="1"/>
+          </p:cNvSpPr>
+          <p:nvPr>
+            <p:ph idx="1"/>
+          </p:nvPr>
+        </p:nvSpPr>
+        <p:spPr/>
+        <p:txBody>
+          <a:bodyPr/>
+          <a:lstStyle/>
+          <a:p>
+            <a:r>
+              <a:rPr lang="zh-CN" altLang="en-US" dirty="0"/>
+              <a:t>文字国际化表达式允许我们从一个外部文件获取区域文字信息</a:t>
+            </a:r>
+            <a:r>
               <a:rPr lang="en-US" altLang="zh-CN" dirty="0"/>
-              <a:t>REST</a:t>
-            </a:r>
-            <a:r>
-              <a:rPr lang="zh-CN" altLang="en-US" dirty="0"/>
-              <a:t>的</a:t>
+              <a:t>(.properties)</a:t>
+            </a:r>
+            <a:r>
+              <a:rPr lang="zh-CN" altLang="en-US" dirty="0"/>
+              <a:t>，用 </a:t>
             </a:r>
             <a:r>
               <a:rPr lang="en-US" altLang="zh-CN" dirty="0"/>
-              <a:t>URL</a:t>
-            </a:r>
-            <a:r>
-              <a:rPr lang="zh-CN" altLang="en-US" dirty="0"/>
-              <a:t>设计</a:t>
+              <a:t>Key </a:t>
+            </a:r>
+            <a:r>
+              <a:rPr lang="zh-CN" altLang="en-US" dirty="0"/>
+              <a:t>索引 </a:t>
+            </a:r>
+            <a:r>
+              <a:rPr lang="en-US" altLang="zh-CN" dirty="0"/>
+              <a:t>Value</a:t>
+            </a:r>
+            <a:r>
+              <a:rPr lang="zh-CN" altLang="en-US" dirty="0"/>
+              <a:t>，还可以提供一组参数</a:t>
+            </a:r>
+            <a:r>
+              <a:rPr lang="en-US" altLang="zh-CN" dirty="0"/>
+              <a:t>(</a:t>
+            </a:r>
+            <a:r>
+              <a:rPr lang="zh-CN" altLang="en-US" dirty="0"/>
+              <a:t>可选</a:t>
+            </a:r>
+            <a:r>
+              <a:rPr lang="en-US" altLang="zh-CN" dirty="0"/>
+              <a:t>).</a:t>
             </a:r>
             <a:endParaRPr lang="en-US" dirty="0"/>
           </a:p>
         </p:txBody>
       </p:sp>
-      <p:sp>
-        <p:nvSpPr>
-          <p:cNvPr id="3" name="Content Placeholder 2"/>
-          <p:cNvSpPr>
-            <a:spLocks noGrp="1"/>
-          </p:cNvSpPr>
-          <p:nvPr>
-            <p:ph idx="1"/>
-          </p:nvPr>
-        </p:nvSpPr>
-        <p:spPr/>
-        <p:txBody>
-          <a:bodyPr/>
-          <a:lstStyle/>
-          <a:p>
-            <a:r>
-              <a:rPr lang="zh-CN" altLang="en-US" dirty="0"/>
-              <a:t>宾语必须是名词</a:t>
-            </a:r>
-          </a:p>
-          <a:p>
-            <a:pPr lvl="1"/>
-            <a:r>
-              <a:rPr lang="zh-CN" altLang="en-US" dirty="0"/>
-              <a:t>宾语就是 </a:t>
-            </a:r>
-            <a:r>
-              <a:rPr lang="en-US" altLang="zh-CN" dirty="0"/>
-              <a:t>API </a:t>
-            </a:r>
-            <a:r>
-              <a:rPr lang="zh-CN" altLang="en-US" dirty="0"/>
-              <a:t>的 </a:t>
-            </a:r>
-            <a:r>
-              <a:rPr lang="en-US" altLang="zh-CN" dirty="0"/>
-              <a:t>URL</a:t>
-            </a:r>
-            <a:r>
-              <a:rPr lang="zh-CN" altLang="en-US" dirty="0"/>
-              <a:t>，是 </a:t>
-            </a:r>
-            <a:r>
-              <a:rPr lang="en-US" altLang="zh-CN" dirty="0"/>
-              <a:t>HTTP </a:t>
-            </a:r>
-            <a:r>
-              <a:rPr lang="zh-CN" altLang="en-US" dirty="0"/>
-              <a:t>动词作用的对象。它应该是名词，不能是动词。比如，</a:t>
-            </a:r>
-            <a:r>
-              <a:rPr lang="en-US" altLang="zh-CN" dirty="0"/>
-              <a:t>/articles</a:t>
-            </a:r>
-            <a:r>
-              <a:rPr lang="zh-CN" altLang="en-US" dirty="0"/>
-              <a:t>这个 </a:t>
-            </a:r>
-            <a:r>
-              <a:rPr lang="en-US" altLang="zh-CN" dirty="0"/>
-              <a:t>URL </a:t>
-            </a:r>
-            <a:r>
-              <a:rPr lang="zh-CN" altLang="en-US" dirty="0"/>
-              <a:t>就是正确的，而下面的 </a:t>
-            </a:r>
-            <a:r>
-              <a:rPr lang="en-US" altLang="zh-CN" dirty="0"/>
-              <a:t>URL </a:t>
-            </a:r>
-            <a:r>
-              <a:rPr lang="zh-CN" altLang="en-US" dirty="0"/>
-              <a:t>不是名词，所以都是错误的</a:t>
-            </a:r>
-            <a:r>
-              <a:rPr lang="zh-CN" altLang="en-US" dirty="0" smtClean="0"/>
-              <a:t>。</a:t>
-            </a:r>
-            <a:endParaRPr lang="en-US" altLang="zh-CN" dirty="0" smtClean="0"/>
-          </a:p>
-          <a:p>
-            <a:pPr lvl="1"/>
-            <a:r>
-              <a:rPr lang="en-US" dirty="0"/>
-              <a:t>/</a:t>
-            </a:r>
-            <a:r>
-              <a:rPr lang="en-US" dirty="0" err="1"/>
-              <a:t>getAllCars</a:t>
-            </a:r>
-            <a:endParaRPr lang="en-US" dirty="0"/>
-          </a:p>
-          <a:p>
-            <a:pPr lvl="1"/>
-            <a:r>
-              <a:rPr lang="en-US" dirty="0"/>
-              <a:t>/</a:t>
-            </a:r>
-            <a:r>
-              <a:rPr lang="en-US" dirty="0" err="1"/>
-              <a:t>createNewCar</a:t>
-            </a:r>
-            <a:endParaRPr lang="en-US" dirty="0"/>
-          </a:p>
-          <a:p>
-            <a:pPr lvl="1"/>
-            <a:r>
-              <a:rPr lang="en-US" dirty="0"/>
-              <a:t>/</a:t>
-            </a:r>
-            <a:r>
-              <a:rPr lang="en-US" dirty="0" err="1"/>
-              <a:t>deleteAllRedCars</a:t>
-            </a:r>
-            <a:endParaRPr lang="en-US" dirty="0"/>
-          </a:p>
-          <a:p>
-            <a:pPr lvl="1"/>
-            <a:endParaRPr lang="en-US" dirty="0"/>
-          </a:p>
-        </p:txBody>
-      </p:sp>
+      <p:pic>
+        <p:nvPicPr>
+          <p:cNvPr id="4" name="Picture 3"/>
+          <p:cNvPicPr>
+            <a:picLocks noChangeAspect="1"/>
+          </p:cNvPicPr>
+          <p:nvPr/>
+        </p:nvPicPr>
+        <p:blipFill>
+          <a:blip r:embed="rId3"/>
+          <a:stretch>
+            <a:fillRect/>
+          </a:stretch>
+        </p:blipFill>
+        <p:spPr>
+          <a:xfrm>
+            <a:off x="1766971" y="2823410"/>
+            <a:ext cx="6416504" cy="1171073"/>
+          </a:xfrm>
+          <a:prstGeom prst="rect">
+            <a:avLst/>
+          </a:prstGeom>
+        </p:spPr>
+      </p:pic>
+      <p:pic>
+        <p:nvPicPr>
+          <p:cNvPr id="5" name="Picture 4"/>
+          <p:cNvPicPr>
+            <a:picLocks noChangeAspect="1"/>
+          </p:cNvPicPr>
+          <p:nvPr/>
+        </p:nvPicPr>
+        <p:blipFill>
+          <a:blip r:embed="rId4"/>
+          <a:stretch>
+            <a:fillRect/>
+          </a:stretch>
+        </p:blipFill>
+        <p:spPr>
+          <a:xfrm>
+            <a:off x="1498265" y="4129420"/>
+            <a:ext cx="7567619" cy="2331538"/>
+          </a:xfrm>
+          <a:prstGeom prst="rect">
+            <a:avLst/>
+          </a:prstGeom>
+        </p:spPr>
+      </p:pic>
     </p:spTree>
     <p:extLst>
       <p:ext uri="{BB962C8B-B14F-4D97-AF65-F5344CB8AC3E}">
-        <p14:creationId xmlns:p14="http://schemas.microsoft.com/office/powerpoint/2010/main" val="1632079414"/>
+        <p14:creationId xmlns:p14="http://schemas.microsoft.com/office/powerpoint/2010/main" val="112932830"/>
       </p:ext>
     </p:extLst>
   </p:cSld>
@@ -4507,12 +6347,39 @@
           <a:lstStyle/>
           <a:p>
             <a:r>
+              <a:rPr lang="en-US" altLang="zh-CN" b="1" dirty="0"/>
+              <a:t>URL </a:t>
+            </a:r>
+            <a:r>
+              <a:rPr lang="zh-CN" altLang="en-US" b="1" dirty="0" smtClean="0"/>
+              <a:t>表达式</a:t>
+            </a:r>
+            <a:endParaRPr lang="en-US" dirty="0"/>
+          </a:p>
+        </p:txBody>
+      </p:sp>
+      <p:sp>
+        <p:nvSpPr>
+          <p:cNvPr id="3" name="Content Placeholder 2"/>
+          <p:cNvSpPr>
+            <a:spLocks noGrp="1"/>
+          </p:cNvSpPr>
+          <p:nvPr>
+            <p:ph idx="1"/>
+          </p:nvPr>
+        </p:nvSpPr>
+        <p:spPr/>
+        <p:txBody>
+          <a:bodyPr/>
+          <a:lstStyle/>
+          <a:p>
+            <a:r>
               <a:rPr lang="en-US" altLang="zh-CN" dirty="0"/>
-              <a:t>REST</a:t>
-            </a:r>
-            <a:r>
-              <a:rPr lang="zh-CN" altLang="en-US" dirty="0"/>
-              <a:t>的</a:t>
+              <a:t>URL </a:t>
+            </a:r>
+            <a:r>
+              <a:rPr lang="zh-CN" altLang="en-US" dirty="0"/>
+              <a:t>表达式指的是把一个有用的上下文或回话信息添加到 </a:t>
             </a:r>
             <a:r>
               <a:rPr lang="en-US" altLang="zh-CN" dirty="0"/>
@@ -4520,164 +6387,73 @@
             </a:r>
             <a:r>
               <a:rPr lang="zh-CN" altLang="en-US" dirty="0"/>
-              <a:t>设计</a:t>
-            </a:r>
-            <a:endParaRPr lang="en-US" dirty="0"/>
-          </a:p>
-        </p:txBody>
-      </p:sp>
-      <p:sp>
-        <p:nvSpPr>
-          <p:cNvPr id="3" name="Content Placeholder 2"/>
-          <p:cNvSpPr>
-            <a:spLocks noGrp="1"/>
-          </p:cNvSpPr>
-          <p:nvPr>
-            <p:ph idx="1"/>
-          </p:nvPr>
-        </p:nvSpPr>
-        <p:spPr/>
-        <p:txBody>
-          <a:bodyPr/>
-          <a:lstStyle/>
-          <a:p>
-            <a:r>
-              <a:rPr lang="zh-CN" altLang="en-US" dirty="0"/>
-              <a:t>避免多级 </a:t>
-            </a:r>
+              <a:t>，这个过程经常被叫做 </a:t>
+            </a:r>
+            <a:r>
+              <a:rPr lang="en-US" altLang="zh-CN" dirty="0"/>
+              <a:t>URL </a:t>
+            </a:r>
+            <a:r>
+              <a:rPr lang="zh-CN" altLang="en-US" dirty="0"/>
+              <a:t>重写</a:t>
+            </a:r>
+            <a:r>
+              <a:rPr lang="zh-CN" altLang="en-US" dirty="0" smtClean="0"/>
+              <a:t>。</a:t>
+            </a:r>
+            <a:endParaRPr lang="en-US" altLang="zh-CN" dirty="0" smtClean="0"/>
+          </a:p>
+          <a:p>
+            <a:pPr lvl="1"/>
+            <a:r>
+              <a:rPr lang="en-US" dirty="0"/>
+              <a:t>@{/order/list</a:t>
+            </a:r>
+            <a:r>
+              <a:rPr lang="en-US" dirty="0" smtClean="0"/>
+              <a:t>}</a:t>
+            </a:r>
+          </a:p>
+          <a:p>
             <a:r>
               <a:rPr lang="en-US" altLang="zh-CN" dirty="0"/>
               <a:t>URL</a:t>
             </a:r>
+            <a:r>
+              <a:rPr lang="zh-CN" altLang="en-US" dirty="0"/>
+              <a:t>还可以设置参数</a:t>
+            </a:r>
+            <a:r>
+              <a:rPr lang="zh-CN" altLang="en-US" dirty="0" smtClean="0"/>
+              <a:t>：</a:t>
+            </a:r>
+            <a:endParaRPr lang="en-US" altLang="zh-CN" dirty="0" smtClean="0"/>
           </a:p>
           <a:p>
             <a:pPr lvl="1"/>
             <a:r>
-              <a:rPr lang="zh-CN" altLang="en-US" dirty="0"/>
-              <a:t>常见的情况是，资源需要多级分类，因此很容易写出多级的 </a:t>
-            </a:r>
-            <a:r>
-              <a:rPr lang="en-US" altLang="zh-CN" dirty="0"/>
-              <a:t>URL</a:t>
-            </a:r>
-            <a:r>
-              <a:rPr lang="zh-CN" altLang="en-US" dirty="0"/>
-              <a:t>，比如获取某个作者的某一类文章</a:t>
-            </a:r>
-            <a:r>
-              <a:rPr lang="zh-CN" altLang="en-US" dirty="0" smtClean="0"/>
-              <a:t>。</a:t>
-            </a:r>
-            <a:endParaRPr lang="en-US" altLang="zh-CN" dirty="0" smtClean="0"/>
-          </a:p>
-          <a:p>
-            <a:pPr lvl="2"/>
-            <a:r>
               <a:rPr lang="en-US" dirty="0"/>
-              <a:t>GET /</a:t>
+              <a:t>@{/order/details(id=${</a:t>
+            </a:r>
+            <a:r>
+              <a:rPr lang="en-US" dirty="0" err="1"/>
+              <a:t>orderId</a:t>
             </a:r>
             <a:r>
               <a:rPr lang="en-US" dirty="0" smtClean="0"/>
-              <a:t>authors/12/categories/2</a:t>
+              <a:t>})}</a:t>
             </a:r>
           </a:p>
           <a:p>
             <a:pPr lvl="1"/>
             <a:r>
-              <a:rPr lang="zh-CN" altLang="en-US" dirty="0"/>
-              <a:t>这种 </a:t>
-            </a:r>
-            <a:r>
-              <a:rPr lang="en-US" altLang="zh-CN" dirty="0"/>
-              <a:t>URL </a:t>
-            </a:r>
-            <a:r>
-              <a:rPr lang="zh-CN" altLang="en-US" dirty="0"/>
-              <a:t>不利于扩展，语义也不明确，往往要想一会，才能明白含义</a:t>
-            </a:r>
-            <a:r>
-              <a:rPr lang="zh-CN" altLang="en-US" dirty="0" smtClean="0"/>
-              <a:t>。</a:t>
-            </a:r>
-            <a:endParaRPr lang="en-US" altLang="zh-CN" dirty="0" smtClean="0"/>
-          </a:p>
-          <a:p>
-            <a:pPr lvl="1"/>
-            <a:r>
-              <a:rPr lang="zh-CN" altLang="en-US" dirty="0"/>
-              <a:t>更好的做法是，除了第一级，其他级别都用查询字符串表达</a:t>
-            </a:r>
-            <a:r>
-              <a:rPr lang="zh-CN" altLang="en-US" dirty="0" smtClean="0"/>
-              <a:t>。</a:t>
-            </a:r>
-            <a:endParaRPr lang="en-US" altLang="zh-CN" dirty="0" smtClean="0"/>
-          </a:p>
-          <a:p>
-            <a:pPr lvl="2"/>
-            <a:r>
               <a:rPr lang="en-US" dirty="0"/>
-              <a:t>GET /</a:t>
+              <a:t>@{../documents/report</a:t>
             </a:r>
             <a:r>
               <a:rPr lang="en-US" dirty="0" smtClean="0"/>
-              <a:t>authors/12?categories=2</a:t>
-            </a:r>
-          </a:p>
-          <a:p>
-            <a:pPr lvl="1"/>
-            <a:r>
-              <a:rPr lang="zh-CN" altLang="en-US" dirty="0"/>
-              <a:t>查询已发布的</a:t>
-            </a:r>
-            <a:r>
-              <a:rPr lang="zh-CN" altLang="en-US" dirty="0" smtClean="0"/>
-              <a:t>文章</a:t>
-            </a:r>
-            <a:endParaRPr lang="en-US" altLang="zh-CN" dirty="0" smtClean="0"/>
-          </a:p>
-          <a:p>
-            <a:pPr lvl="2"/>
-            <a:r>
-              <a:rPr lang="en-US" dirty="0"/>
-              <a:t>GET /</a:t>
-            </a:r>
-            <a:r>
-              <a:rPr lang="en-US" dirty="0" smtClean="0"/>
-              <a:t>articles/published</a:t>
-            </a:r>
-          </a:p>
-          <a:p>
-            <a:pPr lvl="2"/>
-            <a:r>
-              <a:rPr lang="en-US" dirty="0"/>
-              <a:t>GET /</a:t>
-            </a:r>
-            <a:r>
-              <a:rPr lang="en-US" dirty="0" err="1" smtClean="0"/>
-              <a:t>articles?published</a:t>
-            </a:r>
-            <a:r>
-              <a:rPr lang="en-US" dirty="0" smtClean="0"/>
-              <a:t>=true</a:t>
-            </a:r>
-            <a:r>
-              <a:rPr lang="zh-CN" altLang="en-US" dirty="0" smtClean="0"/>
-              <a:t> </a:t>
-            </a:r>
-            <a:r>
-              <a:rPr lang="en-US" altLang="zh-CN" dirty="0" smtClean="0"/>
-              <a:t>(</a:t>
-            </a:r>
-            <a:r>
-              <a:rPr lang="zh-CN" altLang="en-US" dirty="0" smtClean="0"/>
-              <a:t>更好</a:t>
-            </a:r>
-            <a:r>
-              <a:rPr lang="en-US" altLang="zh-CN" dirty="0" smtClean="0"/>
-              <a:t>)</a:t>
-            </a:r>
-            <a:endParaRPr lang="en-US" dirty="0"/>
+              <a:t>}</a:t>
+            </a:r>
           </a:p>
           <a:p>
             <a:pPr lvl="1"/>
@@ -4685,10 +6461,34 @@
           </a:p>
         </p:txBody>
       </p:sp>
+      <p:pic>
+        <p:nvPicPr>
+          <p:cNvPr id="4" name="Picture 3"/>
+          <p:cNvPicPr>
+            <a:picLocks noChangeAspect="1"/>
+          </p:cNvPicPr>
+          <p:nvPr/>
+        </p:nvPicPr>
+        <p:blipFill>
+          <a:blip r:embed="rId2"/>
+          <a:stretch>
+            <a:fillRect/>
+          </a:stretch>
+        </p:blipFill>
+        <p:spPr>
+          <a:xfrm>
+            <a:off x="1164055" y="4471737"/>
+            <a:ext cx="9063286" cy="1435768"/>
+          </a:xfrm>
+          <a:prstGeom prst="rect">
+            <a:avLst/>
+          </a:prstGeom>
+        </p:spPr>
+      </p:pic>
     </p:spTree>
     <p:extLst>
       <p:ext uri="{BB962C8B-B14F-4D97-AF65-F5344CB8AC3E}">
-        <p14:creationId xmlns:p14="http://schemas.microsoft.com/office/powerpoint/2010/main" val="658285734"/>
+        <p14:creationId xmlns:p14="http://schemas.microsoft.com/office/powerpoint/2010/main" val="1593444479"/>
       </p:ext>
     </p:extLst>
   </p:cSld>
@@ -4731,12 +6531,20 @@
           <a:lstStyle/>
           <a:p>
             <a:r>
-              <a:rPr lang="zh-CN" altLang="en-US" dirty="0"/>
-              <a:t>状态</a:t>
+              <a:rPr lang="en-US" altLang="zh-CN" dirty="0" err="1" smtClean="0"/>
+              <a:t>Thymeleaf</a:t>
             </a:r>
             <a:r>
               <a:rPr lang="zh-CN" altLang="en-US" dirty="0" smtClean="0"/>
-              <a:t>码</a:t>
+              <a:t>与</a:t>
+            </a:r>
+            <a:r>
+              <a:rPr lang="en-US" altLang="zh-CN" dirty="0" err="1" smtClean="0"/>
+              <a:t>Springboot</a:t>
+            </a:r>
+            <a:r>
+              <a:rPr lang="zh-CN" altLang="en-US" dirty="0" smtClean="0"/>
+              <a:t>集成</a:t>
             </a:r>
             <a:endParaRPr lang="en-US" dirty="0"/>
           </a:p>
@@ -4758,64 +6566,113 @@
           <a:lstStyle/>
           <a:p>
             <a:r>
-              <a:rPr lang="zh-CN" altLang="en-US" dirty="0"/>
-              <a:t>状态码必须精确</a:t>
-            </a:r>
+              <a:rPr lang="zh-CN" altLang="en-US" dirty="0" smtClean="0"/>
+              <a:t>引入依赖</a:t>
+            </a:r>
+            <a:endParaRPr lang="en-US" altLang="zh-CN" dirty="0" smtClean="0"/>
           </a:p>
           <a:p>
             <a:pPr lvl="1"/>
             <a:r>
-              <a:rPr lang="en-US" altLang="zh-CN" dirty="0"/>
-              <a:t>1xx</a:t>
-            </a:r>
-            <a:r>
-              <a:rPr lang="zh-CN" altLang="en-US" dirty="0"/>
-              <a:t>：相关信息</a:t>
-            </a:r>
+              <a:rPr lang="en-US" dirty="0"/>
+              <a:t>&lt;dependency&gt;</a:t>
+            </a:r>
+            <a:br>
+              <a:rPr lang="en-US" dirty="0"/>
+            </a:br>
+            <a:r>
+              <a:rPr lang="en-US" dirty="0"/>
+              <a:t>  &lt;</a:t>
+            </a:r>
+            <a:r>
+              <a:rPr lang="en-US" dirty="0" err="1"/>
+              <a:t>groupId</a:t>
+            </a:r>
+            <a:r>
+              <a:rPr lang="en-US" dirty="0"/>
+              <a:t>&gt;</a:t>
+            </a:r>
+            <a:r>
+              <a:rPr lang="en-US" dirty="0" err="1"/>
+              <a:t>org.springframework.boot</a:t>
+            </a:r>
+            <a:r>
+              <a:rPr lang="en-US" dirty="0"/>
+              <a:t>&lt;/</a:t>
+            </a:r>
+            <a:r>
+              <a:rPr lang="en-US" dirty="0" err="1"/>
+              <a:t>groupId</a:t>
+            </a:r>
+            <a:r>
+              <a:rPr lang="en-US" dirty="0"/>
+              <a:t>&gt;</a:t>
+            </a:r>
+            <a:br>
+              <a:rPr lang="en-US" dirty="0"/>
+            </a:br>
+            <a:r>
+              <a:rPr lang="en-US" dirty="0"/>
+              <a:t>  &lt;</a:t>
+            </a:r>
+            <a:r>
+              <a:rPr lang="en-US" dirty="0" err="1"/>
+              <a:t>artifactId</a:t>
+            </a:r>
+            <a:r>
+              <a:rPr lang="en-US" dirty="0"/>
+              <a:t>&gt;spring-boot-starter-</a:t>
+            </a:r>
+            <a:r>
+              <a:rPr lang="en-US" dirty="0" err="1"/>
+              <a:t>thymeleaf</a:t>
+            </a:r>
+            <a:r>
+              <a:rPr lang="en-US" dirty="0"/>
+              <a:t>&lt;/</a:t>
+            </a:r>
+            <a:r>
+              <a:rPr lang="en-US" dirty="0" err="1"/>
+              <a:t>artifactId</a:t>
+            </a:r>
+            <a:r>
+              <a:rPr lang="en-US" dirty="0"/>
+              <a:t>&gt;</a:t>
+            </a:r>
+            <a:br>
+              <a:rPr lang="en-US" dirty="0"/>
+            </a:br>
+            <a:r>
+              <a:rPr lang="en-US" dirty="0"/>
+              <a:t>&lt;/dependency</a:t>
+            </a:r>
+            <a:r>
+              <a:rPr lang="en-US" dirty="0" smtClean="0"/>
+              <a:t>&gt;</a:t>
+            </a:r>
+          </a:p>
+          <a:p>
+            <a:r>
+              <a:rPr lang="zh-CN" altLang="en-US" dirty="0" smtClean="0"/>
+              <a:t>默认属性</a:t>
+            </a:r>
+            <a:endParaRPr lang="en-US" altLang="zh-CN" dirty="0" smtClean="0"/>
           </a:p>
           <a:p>
             <a:pPr lvl="1"/>
             <a:r>
-              <a:rPr lang="en-US" altLang="zh-CN" dirty="0"/>
-              <a:t>2xx</a:t>
-            </a:r>
-            <a:r>
-              <a:rPr lang="zh-CN" altLang="en-US" dirty="0"/>
-              <a:t>：操作成功</a:t>
-            </a:r>
-          </a:p>
-          <a:p>
-            <a:pPr lvl="1"/>
-            <a:r>
-              <a:rPr lang="en-US" altLang="zh-CN" dirty="0"/>
-              <a:t>3xx</a:t>
-            </a:r>
-            <a:r>
-              <a:rPr lang="zh-CN" altLang="en-US" dirty="0"/>
-              <a:t>：重定向</a:t>
-            </a:r>
-          </a:p>
-          <a:p>
-            <a:pPr lvl="1"/>
-            <a:r>
-              <a:rPr lang="en-US" altLang="zh-CN" dirty="0"/>
-              <a:t>4xx</a:t>
-            </a:r>
-            <a:r>
-              <a:rPr lang="zh-CN" altLang="en-US" dirty="0"/>
-              <a:t>：客户端错误</a:t>
-            </a:r>
-          </a:p>
-          <a:p>
-            <a:pPr lvl="1"/>
-            <a:r>
-              <a:rPr lang="en-US" altLang="zh-CN" dirty="0"/>
-              <a:t>5xx</a:t>
-            </a:r>
-            <a:r>
-              <a:rPr lang="zh-CN" altLang="en-US" dirty="0"/>
-              <a:t>：服务器错误</a:t>
-            </a:r>
+              <a:rPr lang="en-US" dirty="0" err="1" smtClean="0"/>
+              <a:t>ThymeleafAutoConfiguration</a:t>
+            </a:r>
+            <a:r>
+              <a:rPr lang="zh-CN" altLang="en-US" dirty="0" smtClean="0"/>
+              <a:t> </a:t>
+            </a:r>
+            <a:r>
+              <a:rPr lang="en-US" dirty="0" err="1" smtClean="0"/>
+              <a:t>ThymeleafProperties</a:t>
+            </a:r>
+            <a:endParaRPr lang="en-US" dirty="0" smtClean="0"/>
           </a:p>
           <a:p>
             <a:pPr lvl="1"/>
@@ -4823,10 +6680,34 @@
           </a:p>
         </p:txBody>
       </p:sp>
+      <p:pic>
+        <p:nvPicPr>
+          <p:cNvPr id="4" name="Picture 3"/>
+          <p:cNvPicPr>
+            <a:picLocks noChangeAspect="1"/>
+          </p:cNvPicPr>
+          <p:nvPr/>
+        </p:nvPicPr>
+        <p:blipFill>
+          <a:blip r:embed="rId2"/>
+          <a:stretch>
+            <a:fillRect/>
+          </a:stretch>
+        </p:blipFill>
+        <p:spPr>
+          <a:xfrm>
+            <a:off x="1749259" y="4582498"/>
+            <a:ext cx="8393362" cy="3458803"/>
+          </a:xfrm>
+          <a:prstGeom prst="rect">
+            <a:avLst/>
+          </a:prstGeom>
+        </p:spPr>
+      </p:pic>
     </p:spTree>
     <p:extLst>
       <p:ext uri="{BB962C8B-B14F-4D97-AF65-F5344CB8AC3E}">
-        <p14:creationId xmlns:p14="http://schemas.microsoft.com/office/powerpoint/2010/main" val="815227479"/>
+        <p14:creationId xmlns:p14="http://schemas.microsoft.com/office/powerpoint/2010/main" val="1046411136"/>
       </p:ext>
     </p:extLst>
   </p:cSld>
@@ -4869,206 +6750,708 @@
           <a:lstStyle/>
           <a:p>
             <a:r>
-              <a:rPr lang="zh-CN" altLang="en-US" dirty="0"/>
-              <a:t>服务器</a:t>
-            </a:r>
-            <a:r>
-              <a:rPr lang="zh-CN" altLang="en-US" dirty="0" smtClean="0"/>
-              <a:t>回应</a:t>
+              <a:rPr lang="zh-CN" altLang="en-US" b="1" dirty="0"/>
+              <a:t>常用</a:t>
+            </a:r>
+            <a:r>
+              <a:rPr lang="en-US" altLang="zh-CN" b="1" dirty="0" err="1"/>
+              <a:t>th</a:t>
+            </a:r>
+            <a:r>
+              <a:rPr lang="zh-CN" altLang="en-US" b="1" dirty="0"/>
+              <a:t>标签都有</a:t>
+            </a:r>
+            <a:r>
+              <a:rPr lang="zh-CN" altLang="en-US" b="1" dirty="0" smtClean="0"/>
+              <a:t>那些</a:t>
             </a:r>
             <a:endParaRPr lang="en-US" dirty="0"/>
           </a:p>
         </p:txBody>
       </p:sp>
-      <p:sp>
-        <p:nvSpPr>
-          <p:cNvPr id="3" name="Content Placeholder 2"/>
-          <p:cNvSpPr>
-            <a:spLocks noGrp="1"/>
-          </p:cNvSpPr>
+      <p:graphicFrame>
+        <p:nvGraphicFramePr>
+          <p:cNvPr id="4" name="Content Placeholder 3"/>
+          <p:cNvGraphicFramePr>
+            <a:graphicFrameLocks noGrp="1"/>
+          </p:cNvGraphicFramePr>
           <p:nvPr>
             <p:ph idx="1"/>
-          </p:nvPr>
-        </p:nvSpPr>
-        <p:spPr/>
-        <p:txBody>
-          <a:bodyPr>
-            <a:normAutofit lnSpcReduction="10000"/>
-          </a:bodyPr>
-          <a:lstStyle/>
-          <a:p>
-            <a:r>
-              <a:rPr lang="zh-CN" altLang="en-US" dirty="0"/>
-              <a:t>不要返回纯本文</a:t>
-            </a:r>
-          </a:p>
-          <a:p>
-            <a:pPr lvl="1"/>
-            <a:r>
-              <a:rPr lang="en-US" altLang="zh-CN" dirty="0"/>
-              <a:t>API </a:t>
-            </a:r>
-            <a:r>
-              <a:rPr lang="zh-CN" altLang="en-US" dirty="0"/>
-              <a:t>返回的数据格式，不应该是纯文本，而应该是一个 </a:t>
-            </a:r>
-            <a:r>
-              <a:rPr lang="en-US" altLang="zh-CN" dirty="0"/>
-              <a:t>JSON </a:t>
-            </a:r>
-            <a:r>
-              <a:rPr lang="zh-CN" altLang="en-US" dirty="0"/>
-              <a:t>对象，因为这样才能返回标准的结构化数据。所以，服务器回应的 </a:t>
-            </a:r>
-            <a:r>
-              <a:rPr lang="en-US" altLang="zh-CN" dirty="0"/>
-              <a:t>HTTP </a:t>
-            </a:r>
-            <a:r>
-              <a:rPr lang="zh-CN" altLang="en-US" dirty="0"/>
-              <a:t>头的</a:t>
-            </a:r>
-            <a:r>
-              <a:rPr lang="en-US" altLang="zh-CN" dirty="0"/>
-              <a:t>Content-Type</a:t>
-            </a:r>
-            <a:r>
-              <a:rPr lang="zh-CN" altLang="en-US" dirty="0"/>
-              <a:t>属性要设为</a:t>
-            </a:r>
-            <a:r>
-              <a:rPr lang="en-US" altLang="zh-CN" dirty="0"/>
-              <a:t>application/</a:t>
-            </a:r>
-            <a:r>
-              <a:rPr lang="en-US" altLang="zh-CN" dirty="0" err="1"/>
-              <a:t>json</a:t>
-            </a:r>
-            <a:r>
-              <a:rPr lang="zh-CN" altLang="en-US" dirty="0"/>
-              <a:t>。</a:t>
-            </a:r>
-          </a:p>
-          <a:p>
-            <a:pPr lvl="1"/>
-            <a:r>
-              <a:rPr lang="zh-CN" altLang="en-US" dirty="0"/>
-              <a:t>客户端请求时，也要明确告诉服务器，可以接受 </a:t>
-            </a:r>
-            <a:r>
-              <a:rPr lang="en-US" altLang="zh-CN" dirty="0"/>
-              <a:t>JSON </a:t>
-            </a:r>
-            <a:r>
-              <a:rPr lang="zh-CN" altLang="en-US" dirty="0"/>
-              <a:t>格式，即请求的 </a:t>
-            </a:r>
-            <a:r>
-              <a:rPr lang="en-US" altLang="zh-CN" dirty="0"/>
-              <a:t>HTTP </a:t>
-            </a:r>
-            <a:r>
-              <a:rPr lang="zh-CN" altLang="en-US" dirty="0"/>
-              <a:t>头的</a:t>
-            </a:r>
-            <a:r>
-              <a:rPr lang="en-US" altLang="zh-CN" dirty="0"/>
-              <a:t>ACCEPT</a:t>
-            </a:r>
-            <a:r>
-              <a:rPr lang="zh-CN" altLang="en-US" dirty="0"/>
-              <a:t>属性也要设成</a:t>
-            </a:r>
-            <a:r>
-              <a:rPr lang="en-US" altLang="zh-CN" dirty="0"/>
-              <a:t>application/</a:t>
-            </a:r>
-            <a:r>
-              <a:rPr lang="en-US" altLang="zh-CN" dirty="0" err="1"/>
-              <a:t>json</a:t>
-            </a:r>
-            <a:r>
-              <a:rPr lang="zh-CN" altLang="en-US" dirty="0"/>
-              <a:t>。</a:t>
-            </a:r>
-          </a:p>
-          <a:p>
-            <a:r>
-              <a:rPr lang="zh-CN" altLang="en-US" dirty="0"/>
-              <a:t>发生错误时，不要返回 </a:t>
-            </a:r>
-            <a:r>
-              <a:rPr lang="en-US" altLang="zh-CN" dirty="0"/>
-              <a:t>200 </a:t>
-            </a:r>
-            <a:r>
-              <a:rPr lang="zh-CN" altLang="en-US" dirty="0"/>
-              <a:t>状态码</a:t>
-            </a:r>
-          </a:p>
-          <a:p>
-            <a:r>
-              <a:rPr lang="zh-CN" altLang="en-US" dirty="0"/>
-              <a:t>提供链接</a:t>
-            </a:r>
-          </a:p>
-          <a:p>
-            <a:pPr lvl="1"/>
-            <a:r>
-              <a:rPr lang="en-US" altLang="zh-CN" dirty="0"/>
-              <a:t>API </a:t>
-            </a:r>
-            <a:r>
-              <a:rPr lang="zh-CN" altLang="en-US" dirty="0"/>
-              <a:t>的使用者未必知道，</a:t>
-            </a:r>
-            <a:r>
-              <a:rPr lang="en-US" altLang="zh-CN" dirty="0"/>
-              <a:t>URL </a:t>
-            </a:r>
-            <a:r>
-              <a:rPr lang="zh-CN" altLang="en-US" dirty="0"/>
-              <a:t>是怎么设计的。一个解决方法就是，在回应中，给出相关链接，便于下一步操作。这样的话，用户只要记住一个 </a:t>
-            </a:r>
-            <a:r>
-              <a:rPr lang="en-US" altLang="zh-CN" dirty="0"/>
-              <a:t>URL</a:t>
-            </a:r>
-            <a:r>
-              <a:rPr lang="zh-CN" altLang="en-US" dirty="0"/>
-              <a:t>，就可以发现其他的 </a:t>
-            </a:r>
-            <a:r>
-              <a:rPr lang="en-US" altLang="zh-CN" dirty="0"/>
-              <a:t>URL</a:t>
-            </a:r>
-            <a:r>
-              <a:rPr lang="zh-CN" altLang="en-US" dirty="0"/>
-              <a:t>。这种方法叫做 </a:t>
-            </a:r>
-            <a:r>
-              <a:rPr lang="en-US" altLang="zh-CN" dirty="0"/>
-              <a:t>HATEOAS</a:t>
-            </a:r>
-            <a:r>
-              <a:rPr lang="zh-CN" altLang="en-US" dirty="0" smtClean="0"/>
-              <a:t>。</a:t>
-            </a:r>
-            <a:r>
-              <a:rPr lang="zh-CN" altLang="en-US" dirty="0"/>
-              <a:t/>
-            </a:r>
-            <a:br>
-              <a:rPr lang="zh-CN" altLang="en-US" dirty="0"/>
-            </a:br>
-            <a:endParaRPr lang="en-US" dirty="0"/>
-          </a:p>
-        </p:txBody>
-      </p:sp>
+            <p:extLst>
+              <p:ext uri="{D42A27DB-BD31-4B8C-83A1-F6EECF244321}">
+                <p14:modId xmlns:p14="http://schemas.microsoft.com/office/powerpoint/2010/main" val="360625278"/>
+              </p:ext>
+            </p:extLst>
+          </p:nvPr>
+        </p:nvGraphicFramePr>
+        <p:xfrm>
+          <a:off x="838200" y="1825625"/>
+          <a:ext cx="10515600" cy="2397760"/>
+        </p:xfrm>
+        <a:graphic>
+          <a:graphicData uri="http://schemas.openxmlformats.org/drawingml/2006/table">
+            <a:tbl>
+              <a:tblPr firstRow="1" bandRow="1">
+                <a:tableStyleId>{5C22544A-7EE6-4342-B048-85BDC9FD1C3A}</a:tableStyleId>
+              </a:tblPr>
+              <a:tblGrid>
+                <a:gridCol w="1712495"/>
+                <a:gridCol w="1383631"/>
+                <a:gridCol w="7419474"/>
+              </a:tblGrid>
+              <a:tr h="370840">
+                <a:tc>
+                  <a:txBody>
+                    <a:bodyPr/>
+                    <a:lstStyle/>
+                    <a:p>
+                      <a:r>
+                        <a:rPr lang="zh-CN" altLang="en-US" dirty="0" smtClean="0"/>
+                        <a:t>关键字</a:t>
+                      </a:r>
+                      <a:endParaRPr lang="en-US" dirty="0"/>
+                    </a:p>
+                  </a:txBody>
+                  <a:tcPr/>
+                </a:tc>
+                <a:tc>
+                  <a:txBody>
+                    <a:bodyPr/>
+                    <a:lstStyle/>
+                    <a:p>
+                      <a:r>
+                        <a:rPr lang="zh-CN" altLang="en-US" dirty="0" smtClean="0"/>
+                        <a:t>功能</a:t>
+                      </a:r>
+                      <a:endParaRPr lang="en-US" dirty="0"/>
+                    </a:p>
+                  </a:txBody>
+                  <a:tcPr/>
+                </a:tc>
+                <a:tc>
+                  <a:txBody>
+                    <a:bodyPr/>
+                    <a:lstStyle/>
+                    <a:p>
+                      <a:r>
+                        <a:rPr lang="zh-CN" altLang="en-US" dirty="0" smtClean="0"/>
+                        <a:t>案例</a:t>
+                      </a:r>
+                      <a:endParaRPr lang="en-US" dirty="0"/>
+                    </a:p>
+                  </a:txBody>
+                  <a:tcPr/>
+                </a:tc>
+              </a:tr>
+              <a:tr h="370840">
+                <a:tc>
+                  <a:txBody>
+                    <a:bodyPr/>
+                    <a:lstStyle/>
+                    <a:p>
+                      <a:r>
+                        <a:rPr lang="en-US" sz="1800" b="0" i="0" kern="1200" dirty="0" err="1" smtClean="0">
+                          <a:solidFill>
+                            <a:schemeClr val="dk1"/>
+                          </a:solidFill>
+                          <a:effectLst/>
+                          <a:latin typeface="+mn-lt"/>
+                          <a:ea typeface="+mn-ea"/>
+                          <a:cs typeface="+mn-cs"/>
+                        </a:rPr>
+                        <a:t>th:id</a:t>
+                      </a:r>
+                      <a:endParaRPr lang="en-US" dirty="0"/>
+                    </a:p>
+                  </a:txBody>
+                  <a:tcPr/>
+                </a:tc>
+                <a:tc>
+                  <a:txBody>
+                    <a:bodyPr/>
+                    <a:lstStyle/>
+                    <a:p>
+                      <a:r>
+                        <a:rPr lang="zh-CN" altLang="en-US" sz="1800" b="0" i="0" kern="1200" dirty="0" smtClean="0">
+                          <a:solidFill>
+                            <a:schemeClr val="dk1"/>
+                          </a:solidFill>
+                          <a:effectLst/>
+                          <a:latin typeface="+mn-lt"/>
+                          <a:ea typeface="+mn-ea"/>
+                          <a:cs typeface="+mn-cs"/>
+                        </a:rPr>
+                        <a:t>替换</a:t>
+                      </a:r>
+                      <a:r>
+                        <a:rPr lang="en-US" altLang="zh-CN" sz="1800" b="0" i="0" kern="1200" dirty="0" smtClean="0">
+                          <a:solidFill>
+                            <a:schemeClr val="dk1"/>
+                          </a:solidFill>
+                          <a:effectLst/>
+                          <a:latin typeface="+mn-lt"/>
+                          <a:ea typeface="+mn-ea"/>
+                          <a:cs typeface="+mn-cs"/>
+                        </a:rPr>
+                        <a:t>id</a:t>
+                      </a:r>
+                      <a:endParaRPr lang="en-US" dirty="0"/>
+                    </a:p>
+                  </a:txBody>
+                  <a:tcPr/>
+                </a:tc>
+                <a:tc>
+                  <a:txBody>
+                    <a:bodyPr/>
+                    <a:lstStyle/>
+                    <a:p>
+                      <a:r>
+                        <a:rPr lang="en-US" sz="1800" b="0" i="0" kern="1200" dirty="0" smtClean="0">
+                          <a:solidFill>
+                            <a:schemeClr val="dk1"/>
+                          </a:solidFill>
+                          <a:effectLst/>
+                          <a:latin typeface="+mn-lt"/>
+                          <a:ea typeface="+mn-ea"/>
+                          <a:cs typeface="+mn-cs"/>
+                        </a:rPr>
+                        <a:t>&lt;input </a:t>
+                      </a:r>
+                      <a:r>
+                        <a:rPr lang="en-US" sz="1800" b="0" i="0" kern="1200" dirty="0" err="1" smtClean="0">
+                          <a:solidFill>
+                            <a:schemeClr val="dk1"/>
+                          </a:solidFill>
+                          <a:effectLst/>
+                          <a:latin typeface="+mn-lt"/>
+                          <a:ea typeface="+mn-ea"/>
+                          <a:cs typeface="+mn-cs"/>
+                        </a:rPr>
+                        <a:t>th:id</a:t>
+                      </a:r>
+                      <a:r>
+                        <a:rPr lang="en-US" sz="1800" b="0" i="0" kern="1200" dirty="0" smtClean="0">
+                          <a:solidFill>
+                            <a:schemeClr val="dk1"/>
+                          </a:solidFill>
+                          <a:effectLst/>
+                          <a:latin typeface="+mn-lt"/>
+                          <a:ea typeface="+mn-ea"/>
+                          <a:cs typeface="+mn-cs"/>
+                        </a:rPr>
+                        <a:t>="'xxx' + ${</a:t>
+                      </a:r>
+                      <a:r>
+                        <a:rPr lang="en-US" sz="1800" b="0" i="0" kern="1200" dirty="0" err="1" smtClean="0">
+                          <a:solidFill>
+                            <a:schemeClr val="dk1"/>
+                          </a:solidFill>
+                          <a:effectLst/>
+                          <a:latin typeface="+mn-lt"/>
+                          <a:ea typeface="+mn-ea"/>
+                          <a:cs typeface="+mn-cs"/>
+                        </a:rPr>
+                        <a:t>collect.id</a:t>
+                      </a:r>
+                      <a:r>
+                        <a:rPr lang="en-US" sz="1800" b="0" i="0" kern="1200" dirty="0" smtClean="0">
+                          <a:solidFill>
+                            <a:schemeClr val="dk1"/>
+                          </a:solidFill>
+                          <a:effectLst/>
+                          <a:latin typeface="+mn-lt"/>
+                          <a:ea typeface="+mn-ea"/>
+                          <a:cs typeface="+mn-cs"/>
+                        </a:rPr>
+                        <a:t>}"/&gt;</a:t>
+                      </a:r>
+                      <a:endParaRPr lang="en-US" dirty="0"/>
+                    </a:p>
+                  </a:txBody>
+                  <a:tcPr/>
+                </a:tc>
+              </a:tr>
+              <a:tr h="370840">
+                <a:tc>
+                  <a:txBody>
+                    <a:bodyPr/>
+                    <a:lstStyle/>
+                    <a:p>
+                      <a:r>
+                        <a:rPr lang="en-US" sz="1800" b="0" i="0" kern="1200" dirty="0" err="1" smtClean="0">
+                          <a:solidFill>
+                            <a:schemeClr val="dk1"/>
+                          </a:solidFill>
+                          <a:effectLst/>
+                          <a:latin typeface="+mn-lt"/>
+                          <a:ea typeface="+mn-ea"/>
+                          <a:cs typeface="+mn-cs"/>
+                        </a:rPr>
+                        <a:t>th:text</a:t>
+                      </a:r>
+                      <a:endParaRPr lang="en-US" dirty="0"/>
+                    </a:p>
+                  </a:txBody>
+                  <a:tcPr/>
+                </a:tc>
+                <a:tc>
+                  <a:txBody>
+                    <a:bodyPr/>
+                    <a:lstStyle/>
+                    <a:p>
+                      <a:r>
+                        <a:rPr lang="zh-CN" altLang="en-US" sz="1800" b="0" i="0" kern="1200" dirty="0" smtClean="0">
+                          <a:solidFill>
+                            <a:schemeClr val="dk1"/>
+                          </a:solidFill>
+                          <a:effectLst/>
+                          <a:latin typeface="+mn-lt"/>
+                          <a:ea typeface="+mn-ea"/>
+                          <a:cs typeface="+mn-cs"/>
+                        </a:rPr>
+                        <a:t>文本替换</a:t>
+                      </a:r>
+                      <a:endParaRPr lang="en-US" dirty="0"/>
+                    </a:p>
+                  </a:txBody>
+                  <a:tcPr/>
+                </a:tc>
+                <a:tc>
+                  <a:txBody>
+                    <a:bodyPr/>
+                    <a:lstStyle/>
+                    <a:p>
+                      <a:r>
+                        <a:rPr lang="en-US" sz="1800" b="0" i="0" kern="1200" dirty="0" smtClean="0">
+                          <a:solidFill>
+                            <a:schemeClr val="dk1"/>
+                          </a:solidFill>
+                          <a:effectLst/>
+                          <a:latin typeface="+mn-lt"/>
+                          <a:ea typeface="+mn-ea"/>
+                          <a:cs typeface="+mn-cs"/>
+                        </a:rPr>
+                        <a:t>&lt;p </a:t>
+                      </a:r>
+                      <a:r>
+                        <a:rPr lang="en-US" sz="1800" b="0" i="0" kern="1200" dirty="0" err="1" smtClean="0">
+                          <a:solidFill>
+                            <a:schemeClr val="dk1"/>
+                          </a:solidFill>
+                          <a:effectLst/>
+                          <a:latin typeface="+mn-lt"/>
+                          <a:ea typeface="+mn-ea"/>
+                          <a:cs typeface="+mn-cs"/>
+                        </a:rPr>
+                        <a:t>th:text</a:t>
+                      </a:r>
+                      <a:r>
+                        <a:rPr lang="en-US" sz="1800" b="0" i="0" kern="1200" dirty="0" smtClean="0">
+                          <a:solidFill>
+                            <a:schemeClr val="dk1"/>
+                          </a:solidFill>
+                          <a:effectLst/>
+                          <a:latin typeface="+mn-lt"/>
+                          <a:ea typeface="+mn-ea"/>
+                          <a:cs typeface="+mn-cs"/>
+                        </a:rPr>
+                        <a:t>="${</a:t>
+                      </a:r>
+                      <a:r>
+                        <a:rPr lang="en-US" sz="1800" b="0" i="0" kern="1200" dirty="0" err="1" smtClean="0">
+                          <a:solidFill>
+                            <a:schemeClr val="dk1"/>
+                          </a:solidFill>
+                          <a:effectLst/>
+                          <a:latin typeface="+mn-lt"/>
+                          <a:ea typeface="+mn-ea"/>
+                          <a:cs typeface="+mn-cs"/>
+                        </a:rPr>
+                        <a:t>collect.description</a:t>
+                      </a:r>
+                      <a:r>
+                        <a:rPr lang="en-US" sz="1800" b="0" i="0" kern="1200" dirty="0" smtClean="0">
+                          <a:solidFill>
+                            <a:schemeClr val="dk1"/>
+                          </a:solidFill>
+                          <a:effectLst/>
+                          <a:latin typeface="+mn-lt"/>
+                          <a:ea typeface="+mn-ea"/>
+                          <a:cs typeface="+mn-cs"/>
+                        </a:rPr>
+                        <a:t>}"&gt;description&lt;/p&gt;</a:t>
+                      </a:r>
+                      <a:endParaRPr lang="en-US" dirty="0"/>
+                    </a:p>
+                  </a:txBody>
+                  <a:tcPr/>
+                </a:tc>
+              </a:tr>
+              <a:tr h="370840">
+                <a:tc>
+                  <a:txBody>
+                    <a:bodyPr/>
+                    <a:lstStyle/>
+                    <a:p>
+                      <a:r>
+                        <a:rPr lang="en-US" sz="1800" b="0" i="0" kern="1200" dirty="0" err="1" smtClean="0">
+                          <a:solidFill>
+                            <a:schemeClr val="dk1"/>
+                          </a:solidFill>
+                          <a:effectLst/>
+                          <a:latin typeface="+mn-lt"/>
+                          <a:ea typeface="+mn-ea"/>
+                          <a:cs typeface="+mn-cs"/>
+                        </a:rPr>
+                        <a:t>th:</a:t>
+                      </a:r>
+                      <a:r>
+                        <a:rPr lang="en-US" altLang="zh-CN" sz="1800" b="0" i="0" kern="1200" dirty="0" err="1" smtClean="0">
+                          <a:solidFill>
+                            <a:schemeClr val="dk1"/>
+                          </a:solidFill>
+                          <a:effectLst/>
+                          <a:latin typeface="+mn-lt"/>
+                          <a:ea typeface="+mn-ea"/>
+                          <a:cs typeface="+mn-cs"/>
+                        </a:rPr>
+                        <a:t>if</a:t>
+                      </a:r>
+                      <a:endParaRPr lang="en-US" dirty="0"/>
+                    </a:p>
+                  </a:txBody>
+                  <a:tcPr/>
+                </a:tc>
+                <a:tc>
+                  <a:txBody>
+                    <a:bodyPr/>
+                    <a:lstStyle/>
+                    <a:p>
+                      <a:r>
+                        <a:rPr lang="zh-CN" altLang="en-US" sz="1800" b="0" i="0" kern="1200" dirty="0" smtClean="0">
+                          <a:solidFill>
+                            <a:schemeClr val="dk1"/>
+                          </a:solidFill>
+                          <a:effectLst/>
+                          <a:latin typeface="+mn-lt"/>
+                          <a:ea typeface="+mn-ea"/>
+                          <a:cs typeface="+mn-cs"/>
+                        </a:rPr>
+                        <a:t>条件判断</a:t>
+                      </a:r>
+                      <a:endParaRPr lang="en-US" dirty="0"/>
+                    </a:p>
+                  </a:txBody>
+                  <a:tcPr/>
+                </a:tc>
+                <a:tc>
+                  <a:txBody>
+                    <a:bodyPr/>
+                    <a:lstStyle/>
+                    <a:p>
+                      <a:r>
+                        <a:rPr lang="en-US" altLang="zh-CN" dirty="0" smtClean="0"/>
+                        <a:t>&lt;div</a:t>
+                      </a:r>
+                      <a:r>
+                        <a:rPr lang="zh-CN" altLang="en-US" dirty="0" smtClean="0"/>
+                        <a:t> </a:t>
+                      </a:r>
+                      <a:r>
+                        <a:rPr lang="en-US" altLang="zh-CN" dirty="0" err="1" smtClean="0"/>
+                        <a:t>th:if</a:t>
+                      </a:r>
+                      <a:r>
+                        <a:rPr lang="en-US" altLang="zh-CN" dirty="0" smtClean="0"/>
+                        <a:t>=”${}”</a:t>
+                      </a:r>
+                      <a:endParaRPr lang="en-US" dirty="0"/>
+                    </a:p>
+                  </a:txBody>
+                  <a:tcPr/>
+                </a:tc>
+              </a:tr>
+              <a:tr h="370840">
+                <a:tc>
+                  <a:txBody>
+                    <a:bodyPr/>
+                    <a:lstStyle/>
+                    <a:p>
+                      <a:r>
+                        <a:rPr lang="en-US" sz="1800" b="0" i="0" kern="1200" dirty="0" err="1" smtClean="0">
+                          <a:solidFill>
+                            <a:schemeClr val="dk1"/>
+                          </a:solidFill>
+                          <a:effectLst/>
+                          <a:latin typeface="+mn-lt"/>
+                          <a:ea typeface="+mn-ea"/>
+                          <a:cs typeface="+mn-cs"/>
+                        </a:rPr>
+                        <a:t>th:each</a:t>
+                      </a:r>
+                      <a:endParaRPr lang="en-US" dirty="0"/>
+                    </a:p>
+                  </a:txBody>
+                  <a:tcPr/>
+                </a:tc>
+                <a:tc>
+                  <a:txBody>
+                    <a:bodyPr/>
+                    <a:lstStyle/>
+                    <a:p>
+                      <a:r>
+                        <a:rPr lang="zh-CN" altLang="en-US" sz="1800" b="0" i="0" kern="1200" dirty="0" smtClean="0">
+                          <a:solidFill>
+                            <a:schemeClr val="dk1"/>
+                          </a:solidFill>
+                          <a:effectLst/>
+                          <a:latin typeface="+mn-lt"/>
+                          <a:ea typeface="+mn-ea"/>
+                          <a:cs typeface="+mn-cs"/>
+                        </a:rPr>
+                        <a:t>循环遍历</a:t>
+                      </a:r>
+                      <a:endParaRPr lang="en-US" dirty="0"/>
+                    </a:p>
+                  </a:txBody>
+                  <a:tcPr/>
+                </a:tc>
+                <a:tc>
+                  <a:txBody>
+                    <a:bodyPr/>
+                    <a:lstStyle/>
+                    <a:p>
+                      <a:r>
+                        <a:rPr lang="en-US" altLang="zh-CN" sz="1800" b="0" i="0" kern="1200" dirty="0" smtClean="0">
+                          <a:solidFill>
+                            <a:schemeClr val="dk1"/>
+                          </a:solidFill>
+                          <a:effectLst/>
+                          <a:latin typeface="+mn-lt"/>
+                          <a:ea typeface="+mn-ea"/>
+                          <a:cs typeface="+mn-cs"/>
+                        </a:rPr>
+                        <a:t>&lt;</a:t>
+                      </a:r>
+                      <a:r>
+                        <a:rPr lang="en-US" sz="1800" b="0" i="0" kern="1200" dirty="0" err="1" smtClean="0">
+                          <a:solidFill>
+                            <a:schemeClr val="dk1"/>
+                          </a:solidFill>
+                          <a:effectLst/>
+                          <a:latin typeface="+mn-lt"/>
+                          <a:ea typeface="+mn-ea"/>
+                          <a:cs typeface="+mn-cs"/>
+                        </a:rPr>
+                        <a:t>tr</a:t>
+                      </a:r>
+                      <a:r>
+                        <a:rPr lang="en-US" sz="1800" b="0" i="0" kern="1200" dirty="0" smtClean="0">
+                          <a:solidFill>
+                            <a:schemeClr val="dk1"/>
+                          </a:solidFill>
+                          <a:effectLst/>
+                          <a:latin typeface="+mn-lt"/>
+                          <a:ea typeface="+mn-ea"/>
+                          <a:cs typeface="+mn-cs"/>
+                        </a:rPr>
+                        <a:t> </a:t>
+                      </a:r>
+                      <a:r>
+                        <a:rPr lang="en-US" sz="1800" b="0" i="0" kern="1200" dirty="0" err="1" smtClean="0">
+                          <a:solidFill>
+                            <a:schemeClr val="dk1"/>
+                          </a:solidFill>
+                          <a:effectLst/>
+                          <a:latin typeface="+mn-lt"/>
+                          <a:ea typeface="+mn-ea"/>
+                          <a:cs typeface="+mn-cs"/>
+                        </a:rPr>
+                        <a:t>th:each</a:t>
+                      </a:r>
+                      <a:r>
+                        <a:rPr lang="en-US" sz="1800" b="0" i="0" kern="1200" dirty="0" smtClean="0">
+                          <a:solidFill>
+                            <a:schemeClr val="dk1"/>
+                          </a:solidFill>
+                          <a:effectLst/>
+                          <a:latin typeface="+mn-lt"/>
+                          <a:ea typeface="+mn-ea"/>
+                          <a:cs typeface="+mn-cs"/>
+                        </a:rPr>
+                        <a:t>=”</a:t>
+                      </a:r>
+                      <a:r>
+                        <a:rPr lang="en-US" altLang="zh-CN" sz="1800" b="0" i="0" kern="1200" dirty="0" smtClean="0">
+                          <a:solidFill>
+                            <a:schemeClr val="dk1"/>
+                          </a:solidFill>
+                          <a:effectLst/>
+                          <a:latin typeface="+mn-lt"/>
+                          <a:ea typeface="+mn-ea"/>
+                          <a:cs typeface="+mn-cs"/>
+                        </a:rPr>
+                        <a:t>user</a:t>
+                      </a:r>
+                      <a:r>
+                        <a:rPr lang="en-US" sz="1800" b="0" i="0" kern="1200" dirty="0" smtClean="0">
+                          <a:solidFill>
+                            <a:schemeClr val="dk1"/>
+                          </a:solidFill>
+                          <a:effectLst/>
+                          <a:latin typeface="+mn-lt"/>
+                          <a:ea typeface="+mn-ea"/>
+                          <a:cs typeface="+mn-cs"/>
+                        </a:rPr>
+                        <a:t>:${users}"&gt;</a:t>
+                      </a:r>
+                    </a:p>
+                    <a:p>
+                      <a:r>
+                        <a:rPr lang="zh-CN" altLang="en-US" sz="1800" b="0" i="0" kern="1200" dirty="0" smtClean="0">
+                          <a:solidFill>
+                            <a:schemeClr val="dk1"/>
+                          </a:solidFill>
+                          <a:effectLst/>
+                          <a:latin typeface="+mn-lt"/>
+                          <a:ea typeface="+mn-ea"/>
+                          <a:cs typeface="+mn-cs"/>
+                        </a:rPr>
+                        <a:t>  </a:t>
+                      </a:r>
+                      <a:r>
+                        <a:rPr lang="en-US" altLang="zh-CN" sz="1800" b="0" i="0" kern="1200" dirty="0" smtClean="0">
+                          <a:solidFill>
+                            <a:schemeClr val="dk1"/>
+                          </a:solidFill>
+                          <a:effectLst/>
+                          <a:latin typeface="+mn-lt"/>
+                          <a:ea typeface="+mn-ea"/>
+                          <a:cs typeface="+mn-cs"/>
+                        </a:rPr>
+                        <a:t>&lt;td</a:t>
+                      </a:r>
+                      <a:r>
+                        <a:rPr lang="zh-CN" altLang="en-US" sz="1800" b="0" i="0" kern="1200" baseline="0" dirty="0" smtClean="0">
+                          <a:solidFill>
+                            <a:schemeClr val="dk1"/>
+                          </a:solidFill>
+                          <a:effectLst/>
+                          <a:latin typeface="+mn-lt"/>
+                          <a:ea typeface="+mn-ea"/>
+                          <a:cs typeface="+mn-cs"/>
+                        </a:rPr>
+                        <a:t> </a:t>
+                      </a:r>
+                      <a:r>
+                        <a:rPr lang="en-US" altLang="zh-CN" sz="1800" b="0" i="0" kern="1200" baseline="0" dirty="0" err="1" smtClean="0">
+                          <a:solidFill>
+                            <a:schemeClr val="dk1"/>
+                          </a:solidFill>
+                          <a:effectLst/>
+                          <a:latin typeface="+mn-lt"/>
+                          <a:ea typeface="+mn-ea"/>
+                          <a:cs typeface="+mn-cs"/>
+                        </a:rPr>
+                        <a:t>th:text</a:t>
+                      </a:r>
+                      <a:r>
+                        <a:rPr lang="en-US" altLang="zh-CN" sz="1800" b="0" i="0" kern="1200" baseline="0" dirty="0" smtClean="0">
+                          <a:solidFill>
+                            <a:schemeClr val="dk1"/>
+                          </a:solidFill>
+                          <a:effectLst/>
+                          <a:latin typeface="+mn-lt"/>
+                          <a:ea typeface="+mn-ea"/>
+                          <a:cs typeface="+mn-cs"/>
+                        </a:rPr>
+                        <a:t>=“${</a:t>
+                      </a:r>
+                      <a:r>
+                        <a:rPr lang="en-US" altLang="zh-CN" sz="1800" b="0" i="0" kern="1200" baseline="0" dirty="0" err="1" smtClean="0">
+                          <a:solidFill>
+                            <a:schemeClr val="dk1"/>
+                          </a:solidFill>
+                          <a:effectLst/>
+                          <a:latin typeface="+mn-lt"/>
+                          <a:ea typeface="+mn-ea"/>
+                          <a:cs typeface="+mn-cs"/>
+                        </a:rPr>
+                        <a:t>user.name</a:t>
+                      </a:r>
+                      <a:r>
+                        <a:rPr lang="en-US" altLang="zh-CN" sz="1800" b="0" i="0" kern="1200" baseline="0" dirty="0" smtClean="0">
+                          <a:solidFill>
+                            <a:schemeClr val="dk1"/>
+                          </a:solidFill>
+                          <a:effectLst/>
+                          <a:latin typeface="+mn-lt"/>
+                          <a:ea typeface="+mn-ea"/>
+                          <a:cs typeface="+mn-cs"/>
+                        </a:rPr>
+                        <a:t>}”&gt;&lt;/td&gt;</a:t>
+                      </a:r>
+                      <a:endParaRPr lang="en-US" sz="1800" b="0" i="0" kern="1200" dirty="0" smtClean="0">
+                        <a:solidFill>
+                          <a:schemeClr val="dk1"/>
+                        </a:solidFill>
+                        <a:effectLst/>
+                        <a:latin typeface="+mn-lt"/>
+                        <a:ea typeface="+mn-ea"/>
+                        <a:cs typeface="+mn-cs"/>
+                      </a:endParaRPr>
+                    </a:p>
+                    <a:p>
+                      <a:r>
+                        <a:rPr lang="en-US" altLang="zh-CN" sz="1800" b="0" i="0" kern="1200" dirty="0" smtClean="0">
+                          <a:solidFill>
+                            <a:schemeClr val="dk1"/>
+                          </a:solidFill>
+                          <a:effectLst/>
+                          <a:latin typeface="+mn-lt"/>
+                          <a:ea typeface="+mn-ea"/>
+                          <a:cs typeface="+mn-cs"/>
+                        </a:rPr>
+                        <a:t>&lt;/</a:t>
+                      </a:r>
+                      <a:r>
+                        <a:rPr lang="en-US" altLang="zh-CN" sz="1800" b="0" i="0" kern="1200" dirty="0" err="1" smtClean="0">
+                          <a:solidFill>
+                            <a:schemeClr val="dk1"/>
+                          </a:solidFill>
+                          <a:effectLst/>
+                          <a:latin typeface="+mn-lt"/>
+                          <a:ea typeface="+mn-ea"/>
+                          <a:cs typeface="+mn-cs"/>
+                        </a:rPr>
+                        <a:t>tr</a:t>
+                      </a:r>
+                      <a:r>
+                        <a:rPr lang="en-US" altLang="zh-CN" sz="1800" b="0" i="0" kern="1200" dirty="0" smtClean="0">
+                          <a:solidFill>
+                            <a:schemeClr val="dk1"/>
+                          </a:solidFill>
+                          <a:effectLst/>
+                          <a:latin typeface="+mn-lt"/>
+                          <a:ea typeface="+mn-ea"/>
+                          <a:cs typeface="+mn-cs"/>
+                        </a:rPr>
+                        <a:t>&gt;</a:t>
+                      </a:r>
+                      <a:endParaRPr lang="en-US" dirty="0"/>
+                    </a:p>
+                  </a:txBody>
+                  <a:tcPr/>
+                </a:tc>
+              </a:tr>
+            </a:tbl>
+          </a:graphicData>
+        </a:graphic>
+      </p:graphicFrame>
     </p:spTree>
     <p:extLst>
       <p:ext uri="{BB962C8B-B14F-4D97-AF65-F5344CB8AC3E}">
-        <p14:creationId xmlns:p14="http://schemas.microsoft.com/office/powerpoint/2010/main" val="247226592"/>
+        <p14:creationId xmlns:p14="http://schemas.microsoft.com/office/powerpoint/2010/main" val="181367085"/>
       </p:ext>
     </p:extLst>
   </p:cSld>
